--- a/1.보고서 및 ppt/hadoop_echosystem_진영.pptx
+++ b/1.보고서 및 ppt/hadoop_echosystem_진영.pptx
@@ -20,7 +20,8 @@
     <p:sldId id="269" r:id="rId14"/>
     <p:sldId id="271" r:id="rId15"/>
     <p:sldId id="272" r:id="rId16"/>
-    <p:sldId id="270" r:id="rId17"/>
+    <p:sldId id="275" r:id="rId17"/>
+    <p:sldId id="270" r:id="rId18"/>
   </p:sldIdLst>
   <p:sldSz cx="6858000" cy="9144000" type="screen4x3"/>
   <p:notesSz cx="6858000" cy="9144000"/>
@@ -319,7 +320,7 @@
           <a:p>
             <a:fld id="{4BF9E975-B133-4461-A029-FF441DB700D3}" type="datetimeFigureOut">
               <a:rPr lang="ko-KR" altLang="en-US" smtClean="0"/>
-              <a:t>2019-10-02</a:t>
+              <a:t>2019-10-08</a:t>
             </a:fld>
             <a:endParaRPr lang="ko-KR" altLang="en-US"/>
           </a:p>
@@ -489,7 +490,7 @@
           <a:p>
             <a:fld id="{4BF9E975-B133-4461-A029-FF441DB700D3}" type="datetimeFigureOut">
               <a:rPr lang="ko-KR" altLang="en-US" smtClean="0"/>
-              <a:t>2019-10-02</a:t>
+              <a:t>2019-10-08</a:t>
             </a:fld>
             <a:endParaRPr lang="ko-KR" altLang="en-US"/>
           </a:p>
@@ -669,7 +670,7 @@
           <a:p>
             <a:fld id="{4BF9E975-B133-4461-A029-FF441DB700D3}" type="datetimeFigureOut">
               <a:rPr lang="ko-KR" altLang="en-US" smtClean="0"/>
-              <a:t>2019-10-02</a:t>
+              <a:t>2019-10-08</a:t>
             </a:fld>
             <a:endParaRPr lang="ko-KR" altLang="en-US"/>
           </a:p>
@@ -839,7 +840,7 @@
           <a:p>
             <a:fld id="{4BF9E975-B133-4461-A029-FF441DB700D3}" type="datetimeFigureOut">
               <a:rPr lang="ko-KR" altLang="en-US" smtClean="0"/>
-              <a:t>2019-10-02</a:t>
+              <a:t>2019-10-08</a:t>
             </a:fld>
             <a:endParaRPr lang="ko-KR" altLang="en-US"/>
           </a:p>
@@ -1085,7 +1086,7 @@
           <a:p>
             <a:fld id="{4BF9E975-B133-4461-A029-FF441DB700D3}" type="datetimeFigureOut">
               <a:rPr lang="ko-KR" altLang="en-US" smtClean="0"/>
-              <a:t>2019-10-02</a:t>
+              <a:t>2019-10-08</a:t>
             </a:fld>
             <a:endParaRPr lang="ko-KR" altLang="en-US"/>
           </a:p>
@@ -1373,7 +1374,7 @@
           <a:p>
             <a:fld id="{4BF9E975-B133-4461-A029-FF441DB700D3}" type="datetimeFigureOut">
               <a:rPr lang="ko-KR" altLang="en-US" smtClean="0"/>
-              <a:t>2019-10-02</a:t>
+              <a:t>2019-10-08</a:t>
             </a:fld>
             <a:endParaRPr lang="ko-KR" altLang="en-US"/>
           </a:p>
@@ -1795,7 +1796,7 @@
           <a:p>
             <a:fld id="{4BF9E975-B133-4461-A029-FF441DB700D3}" type="datetimeFigureOut">
               <a:rPr lang="ko-KR" altLang="en-US" smtClean="0"/>
-              <a:t>2019-10-02</a:t>
+              <a:t>2019-10-08</a:t>
             </a:fld>
             <a:endParaRPr lang="ko-KR" altLang="en-US"/>
           </a:p>
@@ -1913,7 +1914,7 @@
           <a:p>
             <a:fld id="{4BF9E975-B133-4461-A029-FF441DB700D3}" type="datetimeFigureOut">
               <a:rPr lang="ko-KR" altLang="en-US" smtClean="0"/>
-              <a:t>2019-10-02</a:t>
+              <a:t>2019-10-08</a:t>
             </a:fld>
             <a:endParaRPr lang="ko-KR" altLang="en-US"/>
           </a:p>
@@ -2008,7 +2009,7 @@
           <a:p>
             <a:fld id="{4BF9E975-B133-4461-A029-FF441DB700D3}" type="datetimeFigureOut">
               <a:rPr lang="ko-KR" altLang="en-US" smtClean="0"/>
-              <a:t>2019-10-02</a:t>
+              <a:t>2019-10-08</a:t>
             </a:fld>
             <a:endParaRPr lang="ko-KR" altLang="en-US"/>
           </a:p>
@@ -2285,7 +2286,7 @@
           <a:p>
             <a:fld id="{4BF9E975-B133-4461-A029-FF441DB700D3}" type="datetimeFigureOut">
               <a:rPr lang="ko-KR" altLang="en-US" smtClean="0"/>
-              <a:t>2019-10-02</a:t>
+              <a:t>2019-10-08</a:t>
             </a:fld>
             <a:endParaRPr lang="ko-KR" altLang="en-US"/>
           </a:p>
@@ -2538,7 +2539,7 @@
           <a:p>
             <a:fld id="{4BF9E975-B133-4461-A029-FF441DB700D3}" type="datetimeFigureOut">
               <a:rPr lang="ko-KR" altLang="en-US" smtClean="0"/>
-              <a:t>2019-10-02</a:t>
+              <a:t>2019-10-08</a:t>
             </a:fld>
             <a:endParaRPr lang="ko-KR" altLang="en-US"/>
           </a:p>
@@ -2751,7 +2752,7 @@
           <a:p>
             <a:fld id="{4BF9E975-B133-4461-A029-FF441DB700D3}" type="datetimeFigureOut">
               <a:rPr lang="ko-KR" altLang="en-US" smtClean="0"/>
-              <a:t>2019-10-02</a:t>
+              <a:t>2019-10-08</a:t>
             </a:fld>
             <a:endParaRPr lang="ko-KR" altLang="en-US"/>
           </a:p>
@@ -8532,6 +8533,1521 @@
         </p:nvSpPr>
         <p:spPr>
           <a:xfrm>
+            <a:off x="116632" y="209907"/>
+            <a:ext cx="6624736" cy="7848302"/>
+          </a:xfrm>
+          <a:prstGeom prst="rect">
+            <a:avLst/>
+          </a:prstGeom>
+          <a:noFill/>
+        </p:spPr>
+        <p:txBody>
+          <a:bodyPr wrap="square" rtlCol="0">
+            <a:spAutoFit/>
+          </a:bodyPr>
+          <a:lstStyle/>
+          <a:p>
+            <a:r>
+              <a:rPr lang="en-US" altLang="ko-KR" sz="1400" b="1" dirty="0" err="1">
+                <a:latin typeface="KoPubWorld돋움체_Pro Medium" pitchFamily="50" charset="-127"/>
+                <a:ea typeface="KoPubWorld돋움체_Pro Medium" pitchFamily="50" charset="-127"/>
+                <a:cs typeface="KoPubWorld돋움체_Pro Medium" pitchFamily="50" charset="-127"/>
+              </a:rPr>
+              <a:t>Cloudera</a:t>
+            </a:r>
+            <a:r>
+              <a:rPr lang="en-US" altLang="ko-KR" sz="1400" b="1" dirty="0">
+                <a:latin typeface="KoPubWorld돋움체_Pro Medium" pitchFamily="50" charset="-127"/>
+                <a:ea typeface="KoPubWorld돋움체_Pro Medium" pitchFamily="50" charset="-127"/>
+                <a:cs typeface="KoPubWorld돋움체_Pro Medium" pitchFamily="50" charset="-127"/>
+              </a:rPr>
+              <a:t> Enterprise</a:t>
+            </a:r>
+            <a:r>
+              <a:rPr lang="ko-KR" altLang="en-US" sz="1400" b="1" dirty="0">
+                <a:latin typeface="KoPubWorld돋움체_Pro Medium" pitchFamily="50" charset="-127"/>
+                <a:ea typeface="KoPubWorld돋움체_Pro Medium" pitchFamily="50" charset="-127"/>
+                <a:cs typeface="KoPubWorld돋움체_Pro Medium" pitchFamily="50" charset="-127"/>
+              </a:rPr>
+              <a:t>와 </a:t>
+            </a:r>
+            <a:r>
+              <a:rPr lang="en-US" altLang="ko-KR" sz="1400" b="1" dirty="0">
+                <a:latin typeface="KoPubWorld돋움체_Pro Medium" pitchFamily="50" charset="-127"/>
+                <a:ea typeface="KoPubWorld돋움체_Pro Medium" pitchFamily="50" charset="-127"/>
+                <a:cs typeface="KoPubWorld돋움체_Pro Medium" pitchFamily="50" charset="-127"/>
+              </a:rPr>
+              <a:t>Apache </a:t>
+            </a:r>
+            <a:r>
+              <a:rPr lang="en-US" altLang="ko-KR" sz="1400" b="1" dirty="0" err="1">
+                <a:latin typeface="KoPubWorld돋움체_Pro Medium" pitchFamily="50" charset="-127"/>
+                <a:ea typeface="KoPubWorld돋움체_Pro Medium" pitchFamily="50" charset="-127"/>
+                <a:cs typeface="KoPubWorld돋움체_Pro Medium" pitchFamily="50" charset="-127"/>
+              </a:rPr>
+              <a:t>Flink</a:t>
+            </a:r>
+            <a:r>
+              <a:rPr lang="en-US" altLang="ko-KR" sz="1400" b="1" dirty="0">
+                <a:latin typeface="KoPubWorld돋움체_Pro Medium" pitchFamily="50" charset="-127"/>
+                <a:ea typeface="KoPubWorld돋움체_Pro Medium" pitchFamily="50" charset="-127"/>
+                <a:cs typeface="KoPubWorld돋움체_Pro Medium" pitchFamily="50" charset="-127"/>
+              </a:rPr>
+              <a:t> : </a:t>
+            </a:r>
+            <a:r>
+              <a:rPr lang="ko-KR" altLang="en-US" sz="1400" b="1" dirty="0">
+                <a:latin typeface="KoPubWorld돋움체_Pro Medium" pitchFamily="50" charset="-127"/>
+                <a:ea typeface="KoPubWorld돋움체_Pro Medium" pitchFamily="50" charset="-127"/>
+                <a:cs typeface="KoPubWorld돋움체_Pro Medium" pitchFamily="50" charset="-127"/>
+              </a:rPr>
+              <a:t>차이점은 무엇입니까</a:t>
+            </a:r>
+            <a:r>
+              <a:rPr lang="en-US" altLang="ko-KR" sz="1400" b="1" dirty="0">
+                <a:latin typeface="KoPubWorld돋움체_Pro Medium" pitchFamily="50" charset="-127"/>
+                <a:ea typeface="KoPubWorld돋움체_Pro Medium" pitchFamily="50" charset="-127"/>
+                <a:cs typeface="KoPubWorld돋움체_Pro Medium" pitchFamily="50" charset="-127"/>
+              </a:rPr>
+              <a:t>?</a:t>
+            </a:r>
+          </a:p>
+          <a:p>
+            <a:endParaRPr lang="en-US" altLang="ko-KR" sz="1400" dirty="0">
+              <a:latin typeface="KoPubWorld돋움체_Pro Medium" pitchFamily="50" charset="-127"/>
+              <a:ea typeface="KoPubWorld돋움체_Pro Medium" pitchFamily="50" charset="-127"/>
+              <a:cs typeface="KoPubWorld돋움체_Pro Medium" pitchFamily="50" charset="-127"/>
+            </a:endParaRPr>
+          </a:p>
+          <a:p>
+            <a:r>
+              <a:rPr lang="en-US" altLang="ko-KR" sz="1400" dirty="0" err="1">
+                <a:latin typeface="KoPubWorld돋움체_Pro Medium" pitchFamily="50" charset="-127"/>
+                <a:ea typeface="KoPubWorld돋움체_Pro Medium" pitchFamily="50" charset="-127"/>
+                <a:cs typeface="KoPubWorld돋움체_Pro Medium" pitchFamily="50" charset="-127"/>
+              </a:rPr>
+              <a:t>Cloudera</a:t>
+            </a:r>
+            <a:r>
+              <a:rPr lang="en-US" altLang="ko-KR" sz="1400" dirty="0">
+                <a:latin typeface="KoPubWorld돋움체_Pro Medium" pitchFamily="50" charset="-127"/>
+                <a:ea typeface="KoPubWorld돋움체_Pro Medium" pitchFamily="50" charset="-127"/>
+                <a:cs typeface="KoPubWorld돋움체_Pro Medium" pitchFamily="50" charset="-127"/>
+              </a:rPr>
+              <a:t> Enterprise </a:t>
+            </a:r>
+            <a:r>
+              <a:rPr lang="ko-KR" altLang="en-US" sz="1400" dirty="0">
+                <a:latin typeface="KoPubWorld돋움체_Pro Medium" pitchFamily="50" charset="-127"/>
+                <a:ea typeface="KoPubWorld돋움체_Pro Medium" pitchFamily="50" charset="-127"/>
+                <a:cs typeface="KoPubWorld돋움체_Pro Medium" pitchFamily="50" charset="-127"/>
+              </a:rPr>
+              <a:t>란 무엇입니까</a:t>
+            </a:r>
+            <a:r>
+              <a:rPr lang="en-US" altLang="ko-KR" sz="1400" dirty="0">
+                <a:latin typeface="KoPubWorld돋움체_Pro Medium" pitchFamily="50" charset="-127"/>
+                <a:ea typeface="KoPubWorld돋움체_Pro Medium" pitchFamily="50" charset="-127"/>
+                <a:cs typeface="KoPubWorld돋움체_Pro Medium" pitchFamily="50" charset="-127"/>
+              </a:rPr>
+              <a:t>? </a:t>
+            </a:r>
+            <a:r>
+              <a:rPr lang="ko-KR" altLang="en-US" sz="1400" dirty="0" err="1">
+                <a:latin typeface="KoPubWorld돋움체_Pro Medium" pitchFamily="50" charset="-127"/>
+                <a:ea typeface="KoPubWorld돋움체_Pro Medium" pitchFamily="50" charset="-127"/>
+                <a:cs typeface="KoPubWorld돋움체_Pro Medium" pitchFamily="50" charset="-127"/>
+              </a:rPr>
+              <a:t>빅</a:t>
+            </a:r>
+            <a:r>
+              <a:rPr lang="ko-KR" altLang="en-US" sz="1400" dirty="0">
+                <a:latin typeface="KoPubWorld돋움체_Pro Medium" pitchFamily="50" charset="-127"/>
+                <a:ea typeface="KoPubWorld돋움체_Pro Medium" pitchFamily="50" charset="-127"/>
+                <a:cs typeface="KoPubWorld돋움체_Pro Medium" pitchFamily="50" charset="-127"/>
+              </a:rPr>
+              <a:t> </a:t>
+            </a:r>
+            <a:r>
+              <a:rPr lang="ko-KR" altLang="en-US" sz="1400" dirty="0" err="1">
+                <a:latin typeface="KoPubWorld돋움체_Pro Medium" pitchFamily="50" charset="-127"/>
+                <a:ea typeface="KoPubWorld돋움체_Pro Medium" pitchFamily="50" charset="-127"/>
+                <a:cs typeface="KoPubWorld돋움체_Pro Medium" pitchFamily="50" charset="-127"/>
+              </a:rPr>
+              <a:t>데이터를위한</a:t>
+            </a:r>
+            <a:r>
+              <a:rPr lang="ko-KR" altLang="en-US" sz="1400" dirty="0">
+                <a:latin typeface="KoPubWorld돋움체_Pro Medium" pitchFamily="50" charset="-127"/>
+                <a:ea typeface="KoPubWorld돋움체_Pro Medium" pitchFamily="50" charset="-127"/>
+                <a:cs typeface="KoPubWorld돋움체_Pro Medium" pitchFamily="50" charset="-127"/>
+              </a:rPr>
+              <a:t> 엔터프라이즈 플랫폼</a:t>
+            </a:r>
+            <a:r>
+              <a:rPr lang="en-US" altLang="ko-KR" sz="1400" dirty="0">
+                <a:latin typeface="KoPubWorld돋움체_Pro Medium" pitchFamily="50" charset="-127"/>
+                <a:ea typeface="KoPubWorld돋움체_Pro Medium" pitchFamily="50" charset="-127"/>
+                <a:cs typeface="KoPubWorld돋움체_Pro Medium" pitchFamily="50" charset="-127"/>
+              </a:rPr>
+              <a:t>. </a:t>
+            </a:r>
+            <a:r>
+              <a:rPr lang="en-US" altLang="ko-KR" sz="1400" dirty="0" err="1">
+                <a:latin typeface="KoPubWorld돋움체_Pro Medium" pitchFamily="50" charset="-127"/>
+                <a:ea typeface="KoPubWorld돋움체_Pro Medium" pitchFamily="50" charset="-127"/>
+                <a:cs typeface="KoPubWorld돋움체_Pro Medium" pitchFamily="50" charset="-127"/>
+              </a:rPr>
+              <a:t>Cloudera</a:t>
+            </a:r>
+            <a:r>
+              <a:rPr lang="en-US" altLang="ko-KR" sz="1400" dirty="0">
+                <a:latin typeface="KoPubWorld돋움체_Pro Medium" pitchFamily="50" charset="-127"/>
+                <a:ea typeface="KoPubWorld돋움체_Pro Medium" pitchFamily="50" charset="-127"/>
+                <a:cs typeface="KoPubWorld돋움체_Pro Medium" pitchFamily="50" charset="-127"/>
+              </a:rPr>
+              <a:t> Enterprise</a:t>
+            </a:r>
+            <a:r>
+              <a:rPr lang="ko-KR" altLang="en-US" sz="1400" dirty="0">
+                <a:latin typeface="KoPubWorld돋움체_Pro Medium" pitchFamily="50" charset="-127"/>
+                <a:ea typeface="KoPubWorld돋움체_Pro Medium" pitchFamily="50" charset="-127"/>
+                <a:cs typeface="KoPubWorld돋움체_Pro Medium" pitchFamily="50" charset="-127"/>
+              </a:rPr>
+              <a:t>에는 세계에서 가장 </a:t>
+            </a:r>
+            <a:r>
+              <a:rPr lang="ko-KR" altLang="en-US" sz="1400" dirty="0" err="1">
+                <a:latin typeface="KoPubWorld돋움체_Pro Medium" pitchFamily="50" charset="-127"/>
+                <a:ea typeface="KoPubWorld돋움체_Pro Medium" pitchFamily="50" charset="-127"/>
+                <a:cs typeface="KoPubWorld돋움체_Pro Medium" pitchFamily="50" charset="-127"/>
+              </a:rPr>
+              <a:t>인기있는</a:t>
+            </a:r>
+            <a:r>
+              <a:rPr lang="ko-KR" altLang="en-US" sz="1400" dirty="0">
+                <a:latin typeface="KoPubWorld돋움체_Pro Medium" pitchFamily="50" charset="-127"/>
+                <a:ea typeface="KoPubWorld돋움체_Pro Medium" pitchFamily="50" charset="-127"/>
+                <a:cs typeface="KoPubWorld돋움체_Pro Medium" pitchFamily="50" charset="-127"/>
+              </a:rPr>
+              <a:t> 오픈 소스 </a:t>
+            </a:r>
+            <a:r>
+              <a:rPr lang="en-US" altLang="ko-KR" sz="1400" dirty="0" err="1">
+                <a:latin typeface="KoPubWorld돋움체_Pro Medium" pitchFamily="50" charset="-127"/>
+                <a:ea typeface="KoPubWorld돋움체_Pro Medium" pitchFamily="50" charset="-127"/>
+                <a:cs typeface="KoPubWorld돋움체_Pro Medium" pitchFamily="50" charset="-127"/>
+              </a:rPr>
+              <a:t>Hadoop</a:t>
+            </a:r>
+            <a:r>
+              <a:rPr lang="en-US" altLang="ko-KR" sz="1400" dirty="0">
+                <a:latin typeface="KoPubWorld돋움체_Pro Medium" pitchFamily="50" charset="-127"/>
+                <a:ea typeface="KoPubWorld돋움체_Pro Medium" pitchFamily="50" charset="-127"/>
+                <a:cs typeface="KoPubWorld돋움체_Pro Medium" pitchFamily="50" charset="-127"/>
+              </a:rPr>
+              <a:t> </a:t>
+            </a:r>
+            <a:r>
+              <a:rPr lang="ko-KR" altLang="en-US" sz="1400" dirty="0">
+                <a:latin typeface="KoPubWorld돋움체_Pro Medium" pitchFamily="50" charset="-127"/>
+                <a:ea typeface="KoPubWorld돋움체_Pro Medium" pitchFamily="50" charset="-127"/>
+                <a:cs typeface="KoPubWorld돋움체_Pro Medium" pitchFamily="50" charset="-127"/>
+              </a:rPr>
+              <a:t>기반 플랫폼 인 </a:t>
+            </a:r>
+            <a:r>
+              <a:rPr lang="en-US" altLang="ko-KR" sz="1400" dirty="0">
+                <a:latin typeface="KoPubWorld돋움체_Pro Medium" pitchFamily="50" charset="-127"/>
+                <a:ea typeface="KoPubWorld돋움체_Pro Medium" pitchFamily="50" charset="-127"/>
+                <a:cs typeface="KoPubWorld돋움체_Pro Medium" pitchFamily="50" charset="-127"/>
+              </a:rPr>
+              <a:t>CDH</a:t>
+            </a:r>
+            <a:r>
+              <a:rPr lang="ko-KR" altLang="en-US" sz="1400" dirty="0">
+                <a:latin typeface="KoPubWorld돋움체_Pro Medium" pitchFamily="50" charset="-127"/>
+                <a:ea typeface="KoPubWorld돋움체_Pro Medium" pitchFamily="50" charset="-127"/>
+                <a:cs typeface="KoPubWorld돋움체_Pro Medium" pitchFamily="50" charset="-127"/>
+              </a:rPr>
+              <a:t>와 고급 시스템 관리 및 데이터 관리 도구와 함께 세계적인 </a:t>
+            </a:r>
+            <a:r>
+              <a:rPr lang="en-US" altLang="ko-KR" sz="1400" dirty="0" err="1">
+                <a:latin typeface="KoPubWorld돋움체_Pro Medium" pitchFamily="50" charset="-127"/>
+                <a:ea typeface="KoPubWorld돋움체_Pro Medium" pitchFamily="50" charset="-127"/>
+                <a:cs typeface="KoPubWorld돋움체_Pro Medium" pitchFamily="50" charset="-127"/>
+              </a:rPr>
+              <a:t>Hadoop</a:t>
+            </a:r>
+            <a:r>
+              <a:rPr lang="en-US" altLang="ko-KR" sz="1400" dirty="0">
+                <a:latin typeface="KoPubWorld돋움체_Pro Medium" pitchFamily="50" charset="-127"/>
+                <a:ea typeface="KoPubWorld돋움체_Pro Medium" pitchFamily="50" charset="-127"/>
+                <a:cs typeface="KoPubWorld돋움체_Pro Medium" pitchFamily="50" charset="-127"/>
+              </a:rPr>
+              <a:t> </a:t>
+            </a:r>
+            <a:r>
+              <a:rPr lang="ko-KR" altLang="en-US" sz="1400" dirty="0">
+                <a:latin typeface="KoPubWorld돋움체_Pro Medium" pitchFamily="50" charset="-127"/>
+                <a:ea typeface="KoPubWorld돋움체_Pro Medium" pitchFamily="50" charset="-127"/>
+                <a:cs typeface="KoPubWorld돋움체_Pro Medium" pitchFamily="50" charset="-127"/>
+              </a:rPr>
+              <a:t>개발자 및 전문가 팀의 전담 지원 및 커뮤니티 옹호가 포함됩니다</a:t>
+            </a:r>
+            <a:r>
+              <a:rPr lang="en-US" altLang="ko-KR" sz="1400" dirty="0">
+                <a:latin typeface="KoPubWorld돋움체_Pro Medium" pitchFamily="50" charset="-127"/>
+                <a:ea typeface="KoPubWorld돋움체_Pro Medium" pitchFamily="50" charset="-127"/>
+                <a:cs typeface="KoPubWorld돋움체_Pro Medium" pitchFamily="50" charset="-127"/>
+              </a:rPr>
+              <a:t>.</a:t>
+            </a:r>
+          </a:p>
+          <a:p>
+            <a:endParaRPr lang="en-US" altLang="ko-KR" sz="1400" dirty="0">
+              <a:latin typeface="KoPubWorld돋움체_Pro Medium" pitchFamily="50" charset="-127"/>
+              <a:ea typeface="KoPubWorld돋움체_Pro Medium" pitchFamily="50" charset="-127"/>
+              <a:cs typeface="KoPubWorld돋움체_Pro Medium" pitchFamily="50" charset="-127"/>
+            </a:endParaRPr>
+          </a:p>
+          <a:p>
+            <a:r>
+              <a:rPr lang="en-US" altLang="ko-KR" sz="1400" dirty="0">
+                <a:latin typeface="KoPubWorld돋움체_Pro Medium" pitchFamily="50" charset="-127"/>
+                <a:ea typeface="KoPubWorld돋움체_Pro Medium" pitchFamily="50" charset="-127"/>
+                <a:cs typeface="KoPubWorld돋움체_Pro Medium" pitchFamily="50" charset="-127"/>
+              </a:rPr>
+              <a:t>Apache </a:t>
+            </a:r>
+            <a:r>
+              <a:rPr lang="en-US" altLang="ko-KR" sz="1400" dirty="0" err="1">
+                <a:latin typeface="KoPubWorld돋움체_Pro Medium" pitchFamily="50" charset="-127"/>
+                <a:ea typeface="KoPubWorld돋움체_Pro Medium" pitchFamily="50" charset="-127"/>
+                <a:cs typeface="KoPubWorld돋움체_Pro Medium" pitchFamily="50" charset="-127"/>
+              </a:rPr>
+              <a:t>Flink</a:t>
+            </a:r>
+            <a:r>
+              <a:rPr lang="en-US" altLang="ko-KR" sz="1400" dirty="0">
+                <a:latin typeface="KoPubWorld돋움체_Pro Medium" pitchFamily="50" charset="-127"/>
+                <a:ea typeface="KoPubWorld돋움체_Pro Medium" pitchFamily="50" charset="-127"/>
+                <a:cs typeface="KoPubWorld돋움체_Pro Medium" pitchFamily="50" charset="-127"/>
+              </a:rPr>
+              <a:t> </a:t>
+            </a:r>
+            <a:r>
+              <a:rPr lang="ko-KR" altLang="en-US" sz="1400" dirty="0">
+                <a:latin typeface="KoPubWorld돋움체_Pro Medium" pitchFamily="50" charset="-127"/>
+                <a:ea typeface="KoPubWorld돋움체_Pro Medium" pitchFamily="50" charset="-127"/>
+                <a:cs typeface="KoPubWorld돋움체_Pro Medium" pitchFamily="50" charset="-127"/>
+              </a:rPr>
+              <a:t>란 무엇입니까</a:t>
+            </a:r>
+            <a:r>
+              <a:rPr lang="en-US" altLang="ko-KR" sz="1400" dirty="0">
+                <a:latin typeface="KoPubWorld돋움체_Pro Medium" pitchFamily="50" charset="-127"/>
+                <a:ea typeface="KoPubWorld돋움체_Pro Medium" pitchFamily="50" charset="-127"/>
+                <a:cs typeface="KoPubWorld돋움체_Pro Medium" pitchFamily="50" charset="-127"/>
+              </a:rPr>
+              <a:t>? </a:t>
+            </a:r>
+            <a:r>
+              <a:rPr lang="ko-KR" altLang="en-US" sz="1400" dirty="0">
+                <a:latin typeface="KoPubWorld돋움체_Pro Medium" pitchFamily="50" charset="-127"/>
+                <a:ea typeface="KoPubWorld돋움체_Pro Medium" pitchFamily="50" charset="-127"/>
+                <a:cs typeface="KoPubWorld돋움체_Pro Medium" pitchFamily="50" charset="-127"/>
+              </a:rPr>
+              <a:t>빠르고 안정적인 대규모 데이터 처리 엔진</a:t>
+            </a:r>
+            <a:r>
+              <a:rPr lang="en-US" altLang="ko-KR" sz="1400" dirty="0">
+                <a:latin typeface="KoPubWorld돋움체_Pro Medium" pitchFamily="50" charset="-127"/>
+                <a:ea typeface="KoPubWorld돋움체_Pro Medium" pitchFamily="50" charset="-127"/>
+                <a:cs typeface="KoPubWorld돋움체_Pro Medium" pitchFamily="50" charset="-127"/>
+              </a:rPr>
+              <a:t>. Apache </a:t>
+            </a:r>
+            <a:r>
+              <a:rPr lang="en-US" altLang="ko-KR" sz="1400" dirty="0" err="1">
+                <a:latin typeface="KoPubWorld돋움체_Pro Medium" pitchFamily="50" charset="-127"/>
+                <a:ea typeface="KoPubWorld돋움체_Pro Medium" pitchFamily="50" charset="-127"/>
+                <a:cs typeface="KoPubWorld돋움체_Pro Medium" pitchFamily="50" charset="-127"/>
+              </a:rPr>
+              <a:t>Flink</a:t>
+            </a:r>
+            <a:r>
+              <a:rPr lang="ko-KR" altLang="en-US" sz="1400" dirty="0">
+                <a:latin typeface="KoPubWorld돋움체_Pro Medium" pitchFamily="50" charset="-127"/>
+                <a:ea typeface="KoPubWorld돋움체_Pro Medium" pitchFamily="50" charset="-127"/>
+                <a:cs typeface="KoPubWorld돋움체_Pro Medium" pitchFamily="50" charset="-127"/>
+              </a:rPr>
+              <a:t>는 클러스터에서 빠르고 다양한 데이터 </a:t>
+            </a:r>
+            <a:r>
+              <a:rPr lang="ko-KR" altLang="en-US" sz="1400" dirty="0" err="1">
+                <a:latin typeface="KoPubWorld돋움체_Pro Medium" pitchFamily="50" charset="-127"/>
+                <a:ea typeface="KoPubWorld돋움체_Pro Medium" pitchFamily="50" charset="-127"/>
+                <a:cs typeface="KoPubWorld돋움체_Pro Medium" pitchFamily="50" charset="-127"/>
+              </a:rPr>
+              <a:t>분석을위한</a:t>
+            </a:r>
+            <a:r>
+              <a:rPr lang="ko-KR" altLang="en-US" sz="1400" dirty="0">
+                <a:latin typeface="KoPubWorld돋움체_Pro Medium" pitchFamily="50" charset="-127"/>
+                <a:ea typeface="KoPubWorld돋움체_Pro Medium" pitchFamily="50" charset="-127"/>
+                <a:cs typeface="KoPubWorld돋움체_Pro Medium" pitchFamily="50" charset="-127"/>
+              </a:rPr>
+              <a:t> 오픈 소스 시스템입니다</a:t>
+            </a:r>
+            <a:r>
+              <a:rPr lang="en-US" altLang="ko-KR" sz="1400" dirty="0">
+                <a:latin typeface="KoPubWorld돋움체_Pro Medium" pitchFamily="50" charset="-127"/>
+                <a:ea typeface="KoPubWorld돋움체_Pro Medium" pitchFamily="50" charset="-127"/>
+                <a:cs typeface="KoPubWorld돋움체_Pro Medium" pitchFamily="50" charset="-127"/>
+              </a:rPr>
+              <a:t>. </a:t>
+            </a:r>
+            <a:r>
+              <a:rPr lang="en-US" altLang="ko-KR" sz="1400" dirty="0" err="1">
+                <a:latin typeface="KoPubWorld돋움체_Pro Medium" pitchFamily="50" charset="-127"/>
+                <a:ea typeface="KoPubWorld돋움체_Pro Medium" pitchFamily="50" charset="-127"/>
+                <a:cs typeface="KoPubWorld돋움체_Pro Medium" pitchFamily="50" charset="-127"/>
+              </a:rPr>
+              <a:t>Flink</a:t>
+            </a:r>
+            <a:r>
+              <a:rPr lang="ko-KR" altLang="en-US" sz="1400" dirty="0">
+                <a:latin typeface="KoPubWorld돋움체_Pro Medium" pitchFamily="50" charset="-127"/>
+                <a:ea typeface="KoPubWorld돋움체_Pro Medium" pitchFamily="50" charset="-127"/>
+                <a:cs typeface="KoPubWorld돋움체_Pro Medium" pitchFamily="50" charset="-127"/>
+              </a:rPr>
+              <a:t>는 하나의 시스템에서 배치 및 </a:t>
+            </a:r>
+            <a:r>
+              <a:rPr lang="ko-KR" altLang="en-US" sz="1400" dirty="0" err="1">
+                <a:latin typeface="KoPubWorld돋움체_Pro Medium" pitchFamily="50" charset="-127"/>
+                <a:ea typeface="KoPubWorld돋움체_Pro Medium" pitchFamily="50" charset="-127"/>
+                <a:cs typeface="KoPubWorld돋움체_Pro Medium" pitchFamily="50" charset="-127"/>
+              </a:rPr>
+              <a:t>스트리밍</a:t>
+            </a:r>
+            <a:r>
+              <a:rPr lang="ko-KR" altLang="en-US" sz="1400" dirty="0">
+                <a:latin typeface="KoPubWorld돋움체_Pro Medium" pitchFamily="50" charset="-127"/>
+                <a:ea typeface="KoPubWorld돋움체_Pro Medium" pitchFamily="50" charset="-127"/>
+                <a:cs typeface="KoPubWorld돋움체_Pro Medium" pitchFamily="50" charset="-127"/>
+              </a:rPr>
+              <a:t> 분석을 지원합니다</a:t>
+            </a:r>
+            <a:r>
+              <a:rPr lang="en-US" altLang="ko-KR" sz="1400" dirty="0">
+                <a:latin typeface="KoPubWorld돋움체_Pro Medium" pitchFamily="50" charset="-127"/>
+                <a:ea typeface="KoPubWorld돋움체_Pro Medium" pitchFamily="50" charset="-127"/>
+                <a:cs typeface="KoPubWorld돋움체_Pro Medium" pitchFamily="50" charset="-127"/>
+              </a:rPr>
+              <a:t>. </a:t>
+            </a:r>
+            <a:r>
+              <a:rPr lang="ko-KR" altLang="en-US" sz="1400" dirty="0">
+                <a:latin typeface="KoPubWorld돋움체_Pro Medium" pitchFamily="50" charset="-127"/>
+                <a:ea typeface="KoPubWorld돋움체_Pro Medium" pitchFamily="50" charset="-127"/>
+                <a:cs typeface="KoPubWorld돋움체_Pro Medium" pitchFamily="50" charset="-127"/>
+              </a:rPr>
+              <a:t>분석 프로그램은 </a:t>
+            </a:r>
+            <a:r>
+              <a:rPr lang="en-US" altLang="ko-KR" sz="1400" dirty="0">
+                <a:latin typeface="KoPubWorld돋움체_Pro Medium" pitchFamily="50" charset="-127"/>
+                <a:ea typeface="KoPubWorld돋움체_Pro Medium" pitchFamily="50" charset="-127"/>
+                <a:cs typeface="KoPubWorld돋움체_Pro Medium" pitchFamily="50" charset="-127"/>
+              </a:rPr>
+              <a:t>Java </a:t>
+            </a:r>
+            <a:r>
+              <a:rPr lang="ko-KR" altLang="en-US" sz="1400" dirty="0">
+                <a:latin typeface="KoPubWorld돋움체_Pro Medium" pitchFamily="50" charset="-127"/>
+                <a:ea typeface="KoPubWorld돋움체_Pro Medium" pitchFamily="50" charset="-127"/>
+                <a:cs typeface="KoPubWorld돋움체_Pro Medium" pitchFamily="50" charset="-127"/>
+              </a:rPr>
+              <a:t>및 </a:t>
+            </a:r>
+            <a:r>
+              <a:rPr lang="en-US" altLang="ko-KR" sz="1400" dirty="0" err="1">
+                <a:latin typeface="KoPubWorld돋움체_Pro Medium" pitchFamily="50" charset="-127"/>
+                <a:ea typeface="KoPubWorld돋움체_Pro Medium" pitchFamily="50" charset="-127"/>
+                <a:cs typeface="KoPubWorld돋움체_Pro Medium" pitchFamily="50" charset="-127"/>
+              </a:rPr>
+              <a:t>Scala</a:t>
+            </a:r>
+            <a:r>
+              <a:rPr lang="ko-KR" altLang="en-US" sz="1400" dirty="0">
+                <a:latin typeface="KoPubWorld돋움체_Pro Medium" pitchFamily="50" charset="-127"/>
+                <a:ea typeface="KoPubWorld돋움체_Pro Medium" pitchFamily="50" charset="-127"/>
+                <a:cs typeface="KoPubWorld돋움체_Pro Medium" pitchFamily="50" charset="-127"/>
+              </a:rPr>
+              <a:t>에서 간결하고 우아한 </a:t>
+            </a:r>
+            <a:r>
+              <a:rPr lang="en-US" altLang="ko-KR" sz="1400" dirty="0">
+                <a:latin typeface="KoPubWorld돋움체_Pro Medium" pitchFamily="50" charset="-127"/>
+                <a:ea typeface="KoPubWorld돋움체_Pro Medium" pitchFamily="50" charset="-127"/>
+                <a:cs typeface="KoPubWorld돋움체_Pro Medium" pitchFamily="50" charset="-127"/>
+              </a:rPr>
+              <a:t>API</a:t>
+            </a:r>
+            <a:r>
+              <a:rPr lang="ko-KR" altLang="en-US" sz="1400" dirty="0">
+                <a:latin typeface="KoPubWorld돋움체_Pro Medium" pitchFamily="50" charset="-127"/>
+                <a:ea typeface="KoPubWorld돋움체_Pro Medium" pitchFamily="50" charset="-127"/>
+                <a:cs typeface="KoPubWorld돋움체_Pro Medium" pitchFamily="50" charset="-127"/>
+              </a:rPr>
+              <a:t>로 작성 될 수 있습니다</a:t>
+            </a:r>
+            <a:r>
+              <a:rPr lang="en-US" altLang="ko-KR" sz="1400" dirty="0">
+                <a:latin typeface="KoPubWorld돋움체_Pro Medium" pitchFamily="50" charset="-127"/>
+                <a:ea typeface="KoPubWorld돋움체_Pro Medium" pitchFamily="50" charset="-127"/>
+                <a:cs typeface="KoPubWorld돋움체_Pro Medium" pitchFamily="50" charset="-127"/>
+              </a:rPr>
+              <a:t>.</a:t>
+            </a:r>
+          </a:p>
+          <a:p>
+            <a:endParaRPr lang="en-US" altLang="ko-KR" sz="1400" dirty="0">
+              <a:latin typeface="KoPubWorld돋움체_Pro Medium" pitchFamily="50" charset="-127"/>
+              <a:ea typeface="KoPubWorld돋움체_Pro Medium" pitchFamily="50" charset="-127"/>
+              <a:cs typeface="KoPubWorld돋움체_Pro Medium" pitchFamily="50" charset="-127"/>
+            </a:endParaRPr>
+          </a:p>
+          <a:p>
+            <a:r>
+              <a:rPr lang="en-US" altLang="ko-KR" sz="1400" dirty="0" err="1">
+                <a:latin typeface="KoPubWorld돋움체_Pro Medium" pitchFamily="50" charset="-127"/>
+                <a:ea typeface="KoPubWorld돋움체_Pro Medium" pitchFamily="50" charset="-127"/>
+                <a:cs typeface="KoPubWorld돋움체_Pro Medium" pitchFamily="50" charset="-127"/>
+              </a:rPr>
+              <a:t>Cloudera</a:t>
+            </a:r>
+            <a:r>
+              <a:rPr lang="en-US" altLang="ko-KR" sz="1400" dirty="0">
+                <a:latin typeface="KoPubWorld돋움체_Pro Medium" pitchFamily="50" charset="-127"/>
+                <a:ea typeface="KoPubWorld돋움체_Pro Medium" pitchFamily="50" charset="-127"/>
+                <a:cs typeface="KoPubWorld돋움체_Pro Medium" pitchFamily="50" charset="-127"/>
+              </a:rPr>
+              <a:t> Enterprise</a:t>
+            </a:r>
+            <a:r>
+              <a:rPr lang="ko-KR" altLang="en-US" sz="1400" dirty="0">
+                <a:latin typeface="KoPubWorld돋움체_Pro Medium" pitchFamily="50" charset="-127"/>
+                <a:ea typeface="KoPubWorld돋움체_Pro Medium" pitchFamily="50" charset="-127"/>
+                <a:cs typeface="KoPubWorld돋움체_Pro Medium" pitchFamily="50" charset="-127"/>
+              </a:rPr>
+              <a:t>는 </a:t>
+            </a:r>
+            <a:r>
+              <a:rPr lang="en-US" altLang="ko-KR" sz="1400" dirty="0">
+                <a:latin typeface="KoPubWorld돋움체_Pro Medium" pitchFamily="50" charset="-127"/>
+                <a:ea typeface="KoPubWorld돋움체_Pro Medium" pitchFamily="50" charset="-127"/>
+                <a:cs typeface="KoPubWorld돋움체_Pro Medium" pitchFamily="50" charset="-127"/>
+              </a:rPr>
+              <a:t>"Big Data as a Service"</a:t>
+            </a:r>
+            <a:r>
+              <a:rPr lang="ko-KR" altLang="en-US" sz="1400" dirty="0">
+                <a:latin typeface="KoPubWorld돋움체_Pro Medium" pitchFamily="50" charset="-127"/>
+                <a:ea typeface="KoPubWorld돋움체_Pro Medium" pitchFamily="50" charset="-127"/>
+                <a:cs typeface="KoPubWorld돋움체_Pro Medium" pitchFamily="50" charset="-127"/>
+              </a:rPr>
+              <a:t>범주에서 도구로 분류 할 수 있지만 </a:t>
+            </a:r>
+            <a:r>
+              <a:rPr lang="en-US" altLang="ko-KR" sz="1400" dirty="0">
+                <a:latin typeface="KoPubWorld돋움체_Pro Medium" pitchFamily="50" charset="-127"/>
+                <a:ea typeface="KoPubWorld돋움체_Pro Medium" pitchFamily="50" charset="-127"/>
+                <a:cs typeface="KoPubWorld돋움체_Pro Medium" pitchFamily="50" charset="-127"/>
+              </a:rPr>
+              <a:t>Apache </a:t>
+            </a:r>
+            <a:r>
+              <a:rPr lang="en-US" altLang="ko-KR" sz="1400" dirty="0" err="1">
+                <a:latin typeface="KoPubWorld돋움체_Pro Medium" pitchFamily="50" charset="-127"/>
+                <a:ea typeface="KoPubWorld돋움체_Pro Medium" pitchFamily="50" charset="-127"/>
+                <a:cs typeface="KoPubWorld돋움체_Pro Medium" pitchFamily="50" charset="-127"/>
+              </a:rPr>
+              <a:t>Flink</a:t>
+            </a:r>
+            <a:r>
+              <a:rPr lang="ko-KR" altLang="en-US" sz="1400" dirty="0">
+                <a:latin typeface="KoPubWorld돋움체_Pro Medium" pitchFamily="50" charset="-127"/>
+                <a:ea typeface="KoPubWorld돋움체_Pro Medium" pitchFamily="50" charset="-127"/>
+                <a:cs typeface="KoPubWorld돋움체_Pro Medium" pitchFamily="50" charset="-127"/>
+              </a:rPr>
+              <a:t>는 </a:t>
+            </a:r>
+            <a:r>
+              <a:rPr lang="en-US" altLang="ko-KR" sz="1400" dirty="0">
+                <a:latin typeface="KoPubWorld돋움체_Pro Medium" pitchFamily="50" charset="-127"/>
+                <a:ea typeface="KoPubWorld돋움체_Pro Medium" pitchFamily="50" charset="-127"/>
+                <a:cs typeface="KoPubWorld돋움체_Pro Medium" pitchFamily="50" charset="-127"/>
+              </a:rPr>
+              <a:t>"Big Data Tools"</a:t>
+            </a:r>
+            <a:r>
+              <a:rPr lang="ko-KR" altLang="en-US" sz="1400" dirty="0">
+                <a:latin typeface="KoPubWorld돋움체_Pro Medium" pitchFamily="50" charset="-127"/>
+                <a:ea typeface="KoPubWorld돋움체_Pro Medium" pitchFamily="50" charset="-127"/>
+                <a:cs typeface="KoPubWorld돋움체_Pro Medium" pitchFamily="50" charset="-127"/>
+              </a:rPr>
+              <a:t>로 그룹화됩니다</a:t>
+            </a:r>
+            <a:r>
+              <a:rPr lang="en-US" altLang="ko-KR" sz="1400" dirty="0">
+                <a:latin typeface="KoPubWorld돋움체_Pro Medium" pitchFamily="50" charset="-127"/>
+                <a:ea typeface="KoPubWorld돋움체_Pro Medium" pitchFamily="50" charset="-127"/>
+                <a:cs typeface="KoPubWorld돋움체_Pro Medium" pitchFamily="50" charset="-127"/>
+              </a:rPr>
+              <a:t>.</a:t>
+            </a:r>
+          </a:p>
+          <a:p>
+            <a:endParaRPr lang="en-US" altLang="ko-KR" sz="1400" dirty="0">
+              <a:latin typeface="KoPubWorld돋움체_Pro Medium" pitchFamily="50" charset="-127"/>
+              <a:ea typeface="KoPubWorld돋움체_Pro Medium" pitchFamily="50" charset="-127"/>
+              <a:cs typeface="KoPubWorld돋움체_Pro Medium" pitchFamily="50" charset="-127"/>
+            </a:endParaRPr>
+          </a:p>
+          <a:p>
+            <a:r>
+              <a:rPr lang="en-US" altLang="ko-KR" sz="1400" dirty="0" err="1">
+                <a:latin typeface="KoPubWorld돋움체_Pro Medium" pitchFamily="50" charset="-127"/>
+                <a:ea typeface="KoPubWorld돋움체_Pro Medium" pitchFamily="50" charset="-127"/>
+                <a:cs typeface="KoPubWorld돋움체_Pro Medium" pitchFamily="50" charset="-127"/>
+              </a:rPr>
+              <a:t>Cloudera</a:t>
+            </a:r>
+            <a:r>
+              <a:rPr lang="en-US" altLang="ko-KR" sz="1400" dirty="0">
+                <a:latin typeface="KoPubWorld돋움체_Pro Medium" pitchFamily="50" charset="-127"/>
+                <a:ea typeface="KoPubWorld돋움체_Pro Medium" pitchFamily="50" charset="-127"/>
+                <a:cs typeface="KoPubWorld돋움체_Pro Medium" pitchFamily="50" charset="-127"/>
+              </a:rPr>
+              <a:t> Enterprise</a:t>
+            </a:r>
+            <a:r>
+              <a:rPr lang="ko-KR" altLang="en-US" sz="1400" dirty="0">
+                <a:latin typeface="KoPubWorld돋움체_Pro Medium" pitchFamily="50" charset="-127"/>
+                <a:ea typeface="KoPubWorld돋움체_Pro Medium" pitchFamily="50" charset="-127"/>
+                <a:cs typeface="KoPubWorld돋움체_Pro Medium" pitchFamily="50" charset="-127"/>
+              </a:rPr>
+              <a:t>에서 제공하는 일부 기능은 다음과 같습니다</a:t>
+            </a:r>
+            <a:r>
+              <a:rPr lang="en-US" altLang="ko-KR" sz="1400" dirty="0">
+                <a:latin typeface="KoPubWorld돋움체_Pro Medium" pitchFamily="50" charset="-127"/>
+                <a:ea typeface="KoPubWorld돋움체_Pro Medium" pitchFamily="50" charset="-127"/>
+                <a:cs typeface="KoPubWorld돋움체_Pro Medium" pitchFamily="50" charset="-127"/>
+              </a:rPr>
+              <a:t>.</a:t>
+            </a:r>
+          </a:p>
+          <a:p>
+            <a:endParaRPr lang="en-US" altLang="ko-KR" sz="1400" dirty="0">
+              <a:latin typeface="KoPubWorld돋움체_Pro Medium" pitchFamily="50" charset="-127"/>
+              <a:ea typeface="KoPubWorld돋움체_Pro Medium" pitchFamily="50" charset="-127"/>
+              <a:cs typeface="KoPubWorld돋움체_Pro Medium" pitchFamily="50" charset="-127"/>
+            </a:endParaRPr>
+          </a:p>
+          <a:p>
+            <a:r>
+              <a:rPr lang="ko-KR" altLang="en-US" sz="1400" dirty="0">
+                <a:latin typeface="KoPubWorld돋움체_Pro Medium" pitchFamily="50" charset="-127"/>
+                <a:ea typeface="KoPubWorld돋움체_Pro Medium" pitchFamily="50" charset="-127"/>
+                <a:cs typeface="KoPubWorld돋움체_Pro Medium" pitchFamily="50" charset="-127"/>
+              </a:rPr>
+              <a:t>통합 </a:t>
+            </a:r>
+            <a:r>
+              <a:rPr lang="en-US" altLang="ko-KR" sz="1400" dirty="0">
+                <a:latin typeface="KoPubWorld돋움체_Pro Medium" pitchFamily="50" charset="-127"/>
+                <a:ea typeface="KoPubWorld돋움체_Pro Medium" pitchFamily="50" charset="-127"/>
+                <a:cs typeface="KoPubWorld돋움체_Pro Medium" pitchFamily="50" charset="-127"/>
+              </a:rPr>
+              <a:t>– </a:t>
+            </a:r>
+            <a:r>
+              <a:rPr lang="ko-KR" altLang="en-US" sz="1400" dirty="0">
+                <a:latin typeface="KoPubWorld돋움체_Pro Medium" pitchFamily="50" charset="-127"/>
+                <a:ea typeface="KoPubWorld돋움체_Pro Medium" pitchFamily="50" charset="-127"/>
+                <a:cs typeface="KoPubWorld돋움체_Pro Medium" pitchFamily="50" charset="-127"/>
+              </a:rPr>
+              <a:t>하나의 통합 시스템으로 다양한 사용자 및 애플리케이션 워크로드를 공통 인프라의 하나의 데이터 풀로 가져옵니다</a:t>
+            </a:r>
+            <a:r>
+              <a:rPr lang="en-US" altLang="ko-KR" sz="1400" dirty="0">
+                <a:latin typeface="KoPubWorld돋움체_Pro Medium" pitchFamily="50" charset="-127"/>
+                <a:ea typeface="KoPubWorld돋움체_Pro Medium" pitchFamily="50" charset="-127"/>
+                <a:cs typeface="KoPubWorld돋움체_Pro Medium" pitchFamily="50" charset="-127"/>
+              </a:rPr>
+              <a:t>.</a:t>
+            </a:r>
+          </a:p>
+          <a:p>
+            <a:r>
+              <a:rPr lang="ko-KR" altLang="en-US" sz="1400" dirty="0">
+                <a:latin typeface="KoPubWorld돋움체_Pro Medium" pitchFamily="50" charset="-127"/>
+                <a:ea typeface="KoPubWorld돋움체_Pro Medium" pitchFamily="50" charset="-127"/>
+                <a:cs typeface="KoPubWorld돋움체_Pro Medium" pitchFamily="50" charset="-127"/>
+              </a:rPr>
+              <a:t>데이터 이동이 필요하지 않습니다</a:t>
+            </a:r>
+          </a:p>
+          <a:p>
+            <a:r>
+              <a:rPr lang="ko-KR" altLang="en-US" sz="1400" dirty="0">
+                <a:latin typeface="KoPubWorld돋움체_Pro Medium" pitchFamily="50" charset="-127"/>
+                <a:ea typeface="KoPubWorld돋움체_Pro Medium" pitchFamily="50" charset="-127"/>
+                <a:cs typeface="KoPubWorld돋움체_Pro Medium" pitchFamily="50" charset="-127"/>
+              </a:rPr>
+              <a:t>보안 </a:t>
+            </a:r>
+            <a:r>
+              <a:rPr lang="en-US" altLang="ko-KR" sz="1400" dirty="0">
+                <a:latin typeface="KoPubWorld돋움체_Pro Medium" pitchFamily="50" charset="-127"/>
+                <a:ea typeface="KoPubWorld돋움체_Pro Medium" pitchFamily="50" charset="-127"/>
+                <a:cs typeface="KoPubWorld돋움체_Pro Medium" pitchFamily="50" charset="-127"/>
+              </a:rPr>
+              <a:t>– </a:t>
+            </a:r>
+            <a:r>
+              <a:rPr lang="ko-KR" altLang="en-US" sz="1400" dirty="0">
+                <a:latin typeface="KoPubWorld돋움체_Pro Medium" pitchFamily="50" charset="-127"/>
+                <a:ea typeface="KoPubWorld돋움체_Pro Medium" pitchFamily="50" charset="-127"/>
+                <a:cs typeface="KoPubWorld돋움체_Pro Medium" pitchFamily="50" charset="-127"/>
+              </a:rPr>
+              <a:t>경계 보안</a:t>
+            </a:r>
+            <a:r>
+              <a:rPr lang="en-US" altLang="ko-KR" sz="1400" dirty="0">
+                <a:latin typeface="KoPubWorld돋움체_Pro Medium" pitchFamily="50" charset="-127"/>
+                <a:ea typeface="KoPubWorld돋움체_Pro Medium" pitchFamily="50" charset="-127"/>
+                <a:cs typeface="KoPubWorld돋움체_Pro Medium" pitchFamily="50" charset="-127"/>
+              </a:rPr>
+              <a:t>, </a:t>
+            </a:r>
+            <a:r>
+              <a:rPr lang="ko-KR" altLang="en-US" sz="1400" dirty="0">
+                <a:latin typeface="KoPubWorld돋움체_Pro Medium" pitchFamily="50" charset="-127"/>
+                <a:ea typeface="KoPubWorld돋움체_Pro Medium" pitchFamily="50" charset="-127"/>
+                <a:cs typeface="KoPubWorld돋움체_Pro Medium" pitchFamily="50" charset="-127"/>
+              </a:rPr>
+              <a:t>인증</a:t>
+            </a:r>
+            <a:r>
+              <a:rPr lang="en-US" altLang="ko-KR" sz="1400" dirty="0">
+                <a:latin typeface="KoPubWorld돋움체_Pro Medium" pitchFamily="50" charset="-127"/>
+                <a:ea typeface="KoPubWorld돋움체_Pro Medium" pitchFamily="50" charset="-127"/>
+                <a:cs typeface="KoPubWorld돋움체_Pro Medium" pitchFamily="50" charset="-127"/>
+              </a:rPr>
+              <a:t>, </a:t>
+            </a:r>
+            <a:r>
+              <a:rPr lang="ko-KR" altLang="en-US" sz="1400" dirty="0">
+                <a:latin typeface="KoPubWorld돋움체_Pro Medium" pitchFamily="50" charset="-127"/>
+                <a:ea typeface="KoPubWorld돋움체_Pro Medium" pitchFamily="50" charset="-127"/>
+                <a:cs typeface="KoPubWorld돋움체_Pro Medium" pitchFamily="50" charset="-127"/>
+              </a:rPr>
+              <a:t>세분화 된 권한 부여 및 데이터 보호</a:t>
+            </a:r>
+          </a:p>
+          <a:p>
+            <a:r>
+              <a:rPr lang="ko-KR" altLang="en-US" sz="1400" dirty="0">
+                <a:latin typeface="KoPubWorld돋움체_Pro Medium" pitchFamily="50" charset="-127"/>
+                <a:ea typeface="KoPubWorld돋움체_Pro Medium" pitchFamily="50" charset="-127"/>
+                <a:cs typeface="KoPubWorld돋움체_Pro Medium" pitchFamily="50" charset="-127"/>
+              </a:rPr>
+              <a:t>반면 </a:t>
+            </a:r>
+            <a:r>
+              <a:rPr lang="en-US" altLang="ko-KR" sz="1400" dirty="0">
+                <a:latin typeface="KoPubWorld돋움체_Pro Medium" pitchFamily="50" charset="-127"/>
+                <a:ea typeface="KoPubWorld돋움체_Pro Medium" pitchFamily="50" charset="-127"/>
+                <a:cs typeface="KoPubWorld돋움체_Pro Medium" pitchFamily="50" charset="-127"/>
+              </a:rPr>
+              <a:t>Apache </a:t>
+            </a:r>
+            <a:r>
+              <a:rPr lang="en-US" altLang="ko-KR" sz="1400" dirty="0" err="1">
+                <a:latin typeface="KoPubWorld돋움체_Pro Medium" pitchFamily="50" charset="-127"/>
+                <a:ea typeface="KoPubWorld돋움체_Pro Medium" pitchFamily="50" charset="-127"/>
+                <a:cs typeface="KoPubWorld돋움체_Pro Medium" pitchFamily="50" charset="-127"/>
+              </a:rPr>
+              <a:t>Flink</a:t>
+            </a:r>
+            <a:r>
+              <a:rPr lang="ko-KR" altLang="en-US" sz="1400" dirty="0">
+                <a:latin typeface="KoPubWorld돋움체_Pro Medium" pitchFamily="50" charset="-127"/>
+                <a:ea typeface="KoPubWorld돋움체_Pro Medium" pitchFamily="50" charset="-127"/>
+                <a:cs typeface="KoPubWorld돋움체_Pro Medium" pitchFamily="50" charset="-127"/>
+              </a:rPr>
+              <a:t>는 다음과 같은 주요 기능을 제공합니다</a:t>
+            </a:r>
+            <a:r>
+              <a:rPr lang="en-US" altLang="ko-KR" sz="1400" dirty="0">
+                <a:latin typeface="KoPubWorld돋움체_Pro Medium" pitchFamily="50" charset="-127"/>
+                <a:ea typeface="KoPubWorld돋움체_Pro Medium" pitchFamily="50" charset="-127"/>
+                <a:cs typeface="KoPubWorld돋움체_Pro Medium" pitchFamily="50" charset="-127"/>
+              </a:rPr>
+              <a:t>.</a:t>
+            </a:r>
+          </a:p>
+          <a:p>
+            <a:endParaRPr lang="en-US" altLang="ko-KR" sz="1400" dirty="0">
+              <a:latin typeface="KoPubWorld돋움체_Pro Medium" pitchFamily="50" charset="-127"/>
+              <a:ea typeface="KoPubWorld돋움체_Pro Medium" pitchFamily="50" charset="-127"/>
+              <a:cs typeface="KoPubWorld돋움체_Pro Medium" pitchFamily="50" charset="-127"/>
+            </a:endParaRPr>
+          </a:p>
+          <a:p>
+            <a:r>
+              <a:rPr lang="ko-KR" altLang="en-US" sz="1400" dirty="0">
+                <a:latin typeface="KoPubWorld돋움체_Pro Medium" pitchFamily="50" charset="-127"/>
+                <a:ea typeface="KoPubWorld돋움체_Pro Medium" pitchFamily="50" charset="-127"/>
+                <a:cs typeface="KoPubWorld돋움체_Pro Medium" pitchFamily="50" charset="-127"/>
+              </a:rPr>
+              <a:t>일괄 처리 및 데이터 </a:t>
+            </a:r>
+            <a:r>
+              <a:rPr lang="ko-KR" altLang="en-US" sz="1400" dirty="0" err="1">
+                <a:latin typeface="KoPubWorld돋움체_Pro Medium" pitchFamily="50" charset="-127"/>
+                <a:ea typeface="KoPubWorld돋움체_Pro Medium" pitchFamily="50" charset="-127"/>
+                <a:cs typeface="KoPubWorld돋움체_Pro Medium" pitchFamily="50" charset="-127"/>
+              </a:rPr>
+              <a:t>스트리밍</a:t>
+            </a:r>
+            <a:r>
+              <a:rPr lang="ko-KR" altLang="en-US" sz="1400" dirty="0">
+                <a:latin typeface="KoPubWorld돋움체_Pro Medium" pitchFamily="50" charset="-127"/>
+                <a:ea typeface="KoPubWorld돋움체_Pro Medium" pitchFamily="50" charset="-127"/>
+                <a:cs typeface="KoPubWorld돋움체_Pro Medium" pitchFamily="50" charset="-127"/>
+              </a:rPr>
+              <a:t> 프로그램을 지원하는 </a:t>
+            </a:r>
+            <a:r>
+              <a:rPr lang="ko-KR" altLang="en-US" sz="1400" dirty="0" err="1">
+                <a:latin typeface="KoPubWorld돋움체_Pro Medium" pitchFamily="50" charset="-127"/>
+                <a:ea typeface="KoPubWorld돋움체_Pro Medium" pitchFamily="50" charset="-127"/>
+                <a:cs typeface="KoPubWorld돋움체_Pro Medium" pitchFamily="50" charset="-127"/>
+              </a:rPr>
+              <a:t>하이브리드</a:t>
+            </a:r>
+            <a:r>
+              <a:rPr lang="ko-KR" altLang="en-US" sz="1400" dirty="0">
+                <a:latin typeface="KoPubWorld돋움체_Pro Medium" pitchFamily="50" charset="-127"/>
+                <a:ea typeface="KoPubWorld돋움체_Pro Medium" pitchFamily="50" charset="-127"/>
+                <a:cs typeface="KoPubWorld돋움체_Pro Medium" pitchFamily="50" charset="-127"/>
+              </a:rPr>
+              <a:t> 일괄 처리 </a:t>
+            </a:r>
+            <a:r>
+              <a:rPr lang="en-US" altLang="ko-KR" sz="1400" dirty="0">
+                <a:latin typeface="KoPubWorld돋움체_Pro Medium" pitchFamily="50" charset="-127"/>
+                <a:ea typeface="KoPubWorld돋움체_Pro Medium" pitchFamily="50" charset="-127"/>
+                <a:cs typeface="KoPubWorld돋움체_Pro Medium" pitchFamily="50" charset="-127"/>
+              </a:rPr>
+              <a:t>/ </a:t>
+            </a:r>
+            <a:r>
+              <a:rPr lang="ko-KR" altLang="en-US" sz="1400" dirty="0" err="1">
+                <a:latin typeface="KoPubWorld돋움체_Pro Medium" pitchFamily="50" charset="-127"/>
+                <a:ea typeface="KoPubWorld돋움체_Pro Medium" pitchFamily="50" charset="-127"/>
+                <a:cs typeface="KoPubWorld돋움체_Pro Medium" pitchFamily="50" charset="-127"/>
+              </a:rPr>
+              <a:t>스트리밍</a:t>
+            </a:r>
+            <a:r>
+              <a:rPr lang="ko-KR" altLang="en-US" sz="1400" dirty="0">
+                <a:latin typeface="KoPubWorld돋움체_Pro Medium" pitchFamily="50" charset="-127"/>
+                <a:ea typeface="KoPubWorld돋움체_Pro Medium" pitchFamily="50" charset="-127"/>
+                <a:cs typeface="KoPubWorld돋움체_Pro Medium" pitchFamily="50" charset="-127"/>
+              </a:rPr>
+              <a:t> 런타임</a:t>
+            </a:r>
+          </a:p>
+          <a:p>
+            <a:r>
+              <a:rPr lang="ko-KR" altLang="en-US" sz="1400" dirty="0">
+                <a:latin typeface="KoPubWorld돋움체_Pro Medium" pitchFamily="50" charset="-127"/>
+                <a:ea typeface="KoPubWorld돋움체_Pro Medium" pitchFamily="50" charset="-127"/>
+                <a:cs typeface="KoPubWorld돋움체_Pro Medium" pitchFamily="50" charset="-127"/>
+              </a:rPr>
+              <a:t>인 메모리 및 데이터 처리 코어 외부 알고리즘 간 효율적이고 적응 적이며 강력한 </a:t>
+            </a:r>
+            <a:r>
+              <a:rPr lang="ko-KR" altLang="en-US" sz="1400" dirty="0" err="1">
+                <a:latin typeface="KoPubWorld돋움체_Pro Medium" pitchFamily="50" charset="-127"/>
+                <a:ea typeface="KoPubWorld돋움체_Pro Medium" pitchFamily="50" charset="-127"/>
+                <a:cs typeface="KoPubWorld돋움체_Pro Medium" pitchFamily="50" charset="-127"/>
+              </a:rPr>
+              <a:t>스위칭을</a:t>
+            </a:r>
+            <a:r>
+              <a:rPr lang="ko-KR" altLang="en-US" sz="1400" dirty="0">
+                <a:latin typeface="KoPubWorld돋움체_Pro Medium" pitchFamily="50" charset="-127"/>
+                <a:ea typeface="KoPubWorld돋움체_Pro Medium" pitchFamily="50" charset="-127"/>
+                <a:cs typeface="KoPubWorld돋움체_Pro Medium" pitchFamily="50" charset="-127"/>
+              </a:rPr>
+              <a:t> 보장하는 맞춤형 메모리 관리</a:t>
+            </a:r>
+            <a:r>
+              <a:rPr lang="en-US" altLang="ko-KR" sz="1400" dirty="0">
+                <a:latin typeface="KoPubWorld돋움체_Pro Medium" pitchFamily="50" charset="-127"/>
+                <a:ea typeface="KoPubWorld돋움체_Pro Medium" pitchFamily="50" charset="-127"/>
+                <a:cs typeface="KoPubWorld돋움체_Pro Medium" pitchFamily="50" charset="-127"/>
+              </a:rPr>
+              <a:t>.</a:t>
+            </a:r>
+          </a:p>
+          <a:p>
+            <a:r>
+              <a:rPr lang="ko-KR" altLang="en-US" sz="1400" dirty="0">
+                <a:latin typeface="KoPubWorld돋움체_Pro Medium" pitchFamily="50" charset="-127"/>
+                <a:ea typeface="KoPubWorld돋움체_Pro Medium" pitchFamily="50" charset="-127"/>
+                <a:cs typeface="KoPubWorld돋움체_Pro Medium" pitchFamily="50" charset="-127"/>
+              </a:rPr>
+              <a:t>데이터 </a:t>
+            </a:r>
+            <a:r>
+              <a:rPr lang="ko-KR" altLang="en-US" sz="1400" dirty="0" err="1">
+                <a:latin typeface="KoPubWorld돋움체_Pro Medium" pitchFamily="50" charset="-127"/>
+                <a:ea typeface="KoPubWorld돋움체_Pro Medium" pitchFamily="50" charset="-127"/>
+                <a:cs typeface="KoPubWorld돋움체_Pro Medium" pitchFamily="50" charset="-127"/>
+              </a:rPr>
+              <a:t>스트림</a:t>
+            </a:r>
+            <a:r>
+              <a:rPr lang="ko-KR" altLang="en-US" sz="1400" dirty="0">
+                <a:latin typeface="KoPubWorld돋움체_Pro Medium" pitchFamily="50" charset="-127"/>
+                <a:ea typeface="KoPubWorld돋움체_Pro Medium" pitchFamily="50" charset="-127"/>
+                <a:cs typeface="KoPubWorld돋움체_Pro Medium" pitchFamily="50" charset="-127"/>
+              </a:rPr>
+              <a:t> </a:t>
+            </a:r>
+            <a:r>
+              <a:rPr lang="ko-KR" altLang="en-US" sz="1400" dirty="0" err="1">
+                <a:latin typeface="KoPubWorld돋움체_Pro Medium" pitchFamily="50" charset="-127"/>
+                <a:ea typeface="KoPubWorld돋움체_Pro Medium" pitchFamily="50" charset="-127"/>
+                <a:cs typeface="KoPubWorld돋움체_Pro Medium" pitchFamily="50" charset="-127"/>
+              </a:rPr>
+              <a:t>프로그램을위한</a:t>
+            </a:r>
+            <a:r>
+              <a:rPr lang="ko-KR" altLang="en-US" sz="1400" dirty="0">
+                <a:latin typeface="KoPubWorld돋움체_Pro Medium" pitchFamily="50" charset="-127"/>
+                <a:ea typeface="KoPubWorld돋움체_Pro Medium" pitchFamily="50" charset="-127"/>
+                <a:cs typeface="KoPubWorld돋움체_Pro Medium" pitchFamily="50" charset="-127"/>
+              </a:rPr>
+              <a:t> 유연하고 표현적인 윈도우 </a:t>
+            </a:r>
+            <a:r>
+              <a:rPr lang="ko-KR" altLang="en-US" sz="1400" dirty="0" err="1">
+                <a:latin typeface="KoPubWorld돋움체_Pro Medium" pitchFamily="50" charset="-127"/>
+                <a:ea typeface="KoPubWorld돋움체_Pro Medium" pitchFamily="50" charset="-127"/>
+                <a:cs typeface="KoPubWorld돋움체_Pro Medium" pitchFamily="50" charset="-127"/>
+              </a:rPr>
+              <a:t>시맨틱</a:t>
+            </a:r>
+            <a:endParaRPr lang="ko-KR" altLang="en-US" sz="1400" dirty="0">
+              <a:latin typeface="KoPubWorld돋움체_Pro Medium" pitchFamily="50" charset="-127"/>
+              <a:ea typeface="KoPubWorld돋움체_Pro Medium" pitchFamily="50" charset="-127"/>
+              <a:cs typeface="KoPubWorld돋움체_Pro Medium" pitchFamily="50" charset="-127"/>
+            </a:endParaRPr>
+          </a:p>
+          <a:p>
+            <a:r>
+              <a:rPr lang="en-US" altLang="ko-KR" sz="1400" dirty="0">
+                <a:latin typeface="KoPubWorld돋움체_Pro Medium" pitchFamily="50" charset="-127"/>
+                <a:ea typeface="KoPubWorld돋움체_Pro Medium" pitchFamily="50" charset="-127"/>
+                <a:cs typeface="KoPubWorld돋움체_Pro Medium" pitchFamily="50" charset="-127"/>
+              </a:rPr>
+              <a:t>Apache </a:t>
+            </a:r>
+            <a:r>
+              <a:rPr lang="en-US" altLang="ko-KR" sz="1400" dirty="0" err="1">
+                <a:latin typeface="KoPubWorld돋움체_Pro Medium" pitchFamily="50" charset="-127"/>
+                <a:ea typeface="KoPubWorld돋움체_Pro Medium" pitchFamily="50" charset="-127"/>
+                <a:cs typeface="KoPubWorld돋움체_Pro Medium" pitchFamily="50" charset="-127"/>
+              </a:rPr>
+              <a:t>Flink</a:t>
+            </a:r>
+            <a:r>
+              <a:rPr lang="ko-KR" altLang="en-US" sz="1400" dirty="0">
+                <a:latin typeface="KoPubWorld돋움체_Pro Medium" pitchFamily="50" charset="-127"/>
+                <a:ea typeface="KoPubWorld돋움체_Pro Medium" pitchFamily="50" charset="-127"/>
+                <a:cs typeface="KoPubWorld돋움체_Pro Medium" pitchFamily="50" charset="-127"/>
+              </a:rPr>
+              <a:t>는 </a:t>
+            </a:r>
+            <a:r>
+              <a:rPr lang="en-US" altLang="ko-KR" sz="1400" dirty="0">
+                <a:latin typeface="KoPubWorld돋움체_Pro Medium" pitchFamily="50" charset="-127"/>
+                <a:ea typeface="KoPubWorld돋움체_Pro Medium" pitchFamily="50" charset="-127"/>
+                <a:cs typeface="KoPubWorld돋움체_Pro Medium" pitchFamily="50" charset="-127"/>
+              </a:rPr>
+              <a:t>9.11K </a:t>
+            </a:r>
+            <a:r>
+              <a:rPr lang="en-US" altLang="ko-KR" sz="1400" dirty="0" err="1">
+                <a:latin typeface="KoPubWorld돋움체_Pro Medium" pitchFamily="50" charset="-127"/>
+                <a:ea typeface="KoPubWorld돋움체_Pro Medium" pitchFamily="50" charset="-127"/>
+                <a:cs typeface="KoPubWorld돋움체_Pro Medium" pitchFamily="50" charset="-127"/>
+              </a:rPr>
+              <a:t>GitHub</a:t>
+            </a:r>
+            <a:r>
+              <a:rPr lang="en-US" altLang="ko-KR" sz="1400" dirty="0">
+                <a:latin typeface="KoPubWorld돋움체_Pro Medium" pitchFamily="50" charset="-127"/>
+                <a:ea typeface="KoPubWorld돋움체_Pro Medium" pitchFamily="50" charset="-127"/>
+                <a:cs typeface="KoPubWorld돋움체_Pro Medium" pitchFamily="50" charset="-127"/>
+              </a:rPr>
+              <a:t> </a:t>
+            </a:r>
+            <a:r>
+              <a:rPr lang="ko-KR" altLang="en-US" sz="1400" dirty="0">
+                <a:latin typeface="KoPubWorld돋움체_Pro Medium" pitchFamily="50" charset="-127"/>
+                <a:ea typeface="KoPubWorld돋움체_Pro Medium" pitchFamily="50" charset="-127"/>
+                <a:cs typeface="KoPubWorld돋움체_Pro Medium" pitchFamily="50" charset="-127"/>
+              </a:rPr>
+              <a:t>스타와 </a:t>
+            </a:r>
+            <a:r>
+              <a:rPr lang="en-US" altLang="ko-KR" sz="1400" dirty="0">
+                <a:latin typeface="KoPubWorld돋움체_Pro Medium" pitchFamily="50" charset="-127"/>
+                <a:ea typeface="KoPubWorld돋움체_Pro Medium" pitchFamily="50" charset="-127"/>
+                <a:cs typeface="KoPubWorld돋움체_Pro Medium" pitchFamily="50" charset="-127"/>
+              </a:rPr>
+              <a:t>4.86K </a:t>
+            </a:r>
+            <a:r>
+              <a:rPr lang="en-US" altLang="ko-KR" sz="1400" dirty="0" err="1">
+                <a:latin typeface="KoPubWorld돋움체_Pro Medium" pitchFamily="50" charset="-127"/>
+                <a:ea typeface="KoPubWorld돋움체_Pro Medium" pitchFamily="50" charset="-127"/>
+                <a:cs typeface="KoPubWorld돋움체_Pro Medium" pitchFamily="50" charset="-127"/>
+              </a:rPr>
+              <a:t>GitHub</a:t>
+            </a:r>
+            <a:r>
+              <a:rPr lang="en-US" altLang="ko-KR" sz="1400" dirty="0">
+                <a:latin typeface="KoPubWorld돋움체_Pro Medium" pitchFamily="50" charset="-127"/>
+                <a:ea typeface="KoPubWorld돋움체_Pro Medium" pitchFamily="50" charset="-127"/>
+                <a:cs typeface="KoPubWorld돋움체_Pro Medium" pitchFamily="50" charset="-127"/>
+              </a:rPr>
+              <a:t> </a:t>
+            </a:r>
+            <a:r>
+              <a:rPr lang="ko-KR" altLang="en-US" sz="1400" dirty="0" err="1">
+                <a:latin typeface="KoPubWorld돋움체_Pro Medium" pitchFamily="50" charset="-127"/>
+                <a:ea typeface="KoPubWorld돋움체_Pro Medium" pitchFamily="50" charset="-127"/>
+                <a:cs typeface="KoPubWorld돋움체_Pro Medium" pitchFamily="50" charset="-127"/>
+              </a:rPr>
+              <a:t>포크가있는</a:t>
+            </a:r>
+            <a:r>
+              <a:rPr lang="ko-KR" altLang="en-US" sz="1400" dirty="0">
+                <a:latin typeface="KoPubWorld돋움체_Pro Medium" pitchFamily="50" charset="-127"/>
+                <a:ea typeface="KoPubWorld돋움체_Pro Medium" pitchFamily="50" charset="-127"/>
+                <a:cs typeface="KoPubWorld돋움체_Pro Medium" pitchFamily="50" charset="-127"/>
+              </a:rPr>
+              <a:t> 오픈 소스 도구입니다</a:t>
+            </a:r>
+            <a:r>
+              <a:rPr lang="en-US" altLang="ko-KR" sz="1400" dirty="0">
+                <a:latin typeface="KoPubWorld돋움체_Pro Medium" pitchFamily="50" charset="-127"/>
+                <a:ea typeface="KoPubWorld돋움체_Pro Medium" pitchFamily="50" charset="-127"/>
+                <a:cs typeface="KoPubWorld돋움체_Pro Medium" pitchFamily="50" charset="-127"/>
+              </a:rPr>
+              <a:t>. </a:t>
+            </a:r>
+            <a:r>
+              <a:rPr lang="ko-KR" altLang="en-US" sz="1400" dirty="0">
+                <a:latin typeface="KoPubWorld돋움체_Pro Medium" pitchFamily="50" charset="-127"/>
+                <a:ea typeface="KoPubWorld돋움체_Pro Medium" pitchFamily="50" charset="-127"/>
+                <a:cs typeface="KoPubWorld돋움체_Pro Medium" pitchFamily="50" charset="-127"/>
+              </a:rPr>
+              <a:t>다음은 </a:t>
+            </a:r>
+            <a:r>
+              <a:rPr lang="en-US" altLang="ko-KR" sz="1400" dirty="0" err="1">
+                <a:latin typeface="KoPubWorld돋움체_Pro Medium" pitchFamily="50" charset="-127"/>
+                <a:ea typeface="KoPubWorld돋움체_Pro Medium" pitchFamily="50" charset="-127"/>
+                <a:cs typeface="KoPubWorld돋움체_Pro Medium" pitchFamily="50" charset="-127"/>
+              </a:rPr>
+              <a:t>GitHub</a:t>
+            </a:r>
+            <a:r>
+              <a:rPr lang="ko-KR" altLang="en-US" sz="1400" dirty="0">
+                <a:latin typeface="KoPubWorld돋움체_Pro Medium" pitchFamily="50" charset="-127"/>
+                <a:ea typeface="KoPubWorld돋움체_Pro Medium" pitchFamily="50" charset="-127"/>
+                <a:cs typeface="KoPubWorld돋움체_Pro Medium" pitchFamily="50" charset="-127"/>
+              </a:rPr>
+              <a:t>의 </a:t>
+            </a:r>
+            <a:r>
+              <a:rPr lang="en-US" altLang="ko-KR" sz="1400" dirty="0">
+                <a:latin typeface="KoPubWorld돋움체_Pro Medium" pitchFamily="50" charset="-127"/>
+                <a:ea typeface="KoPubWorld돋움체_Pro Medium" pitchFamily="50" charset="-127"/>
+                <a:cs typeface="KoPubWorld돋움체_Pro Medium" pitchFamily="50" charset="-127"/>
+              </a:rPr>
+              <a:t>Apache </a:t>
+            </a:r>
+            <a:r>
+              <a:rPr lang="en-US" altLang="ko-KR" sz="1400" dirty="0" err="1">
+                <a:latin typeface="KoPubWorld돋움체_Pro Medium" pitchFamily="50" charset="-127"/>
+                <a:ea typeface="KoPubWorld돋움체_Pro Medium" pitchFamily="50" charset="-127"/>
+                <a:cs typeface="KoPubWorld돋움체_Pro Medium" pitchFamily="50" charset="-127"/>
+              </a:rPr>
+              <a:t>Flink</a:t>
+            </a:r>
+            <a:r>
+              <a:rPr lang="en-US" altLang="ko-KR" sz="1400" dirty="0">
+                <a:latin typeface="KoPubWorld돋움체_Pro Medium" pitchFamily="50" charset="-127"/>
+                <a:ea typeface="KoPubWorld돋움체_Pro Medium" pitchFamily="50" charset="-127"/>
+                <a:cs typeface="KoPubWorld돋움체_Pro Medium" pitchFamily="50" charset="-127"/>
+              </a:rPr>
+              <a:t> </a:t>
+            </a:r>
+            <a:r>
+              <a:rPr lang="ko-KR" altLang="en-US" sz="1400" dirty="0">
+                <a:latin typeface="KoPubWorld돋움체_Pro Medium" pitchFamily="50" charset="-127"/>
+                <a:ea typeface="KoPubWorld돋움체_Pro Medium" pitchFamily="50" charset="-127"/>
+                <a:cs typeface="KoPubWorld돋움체_Pro Medium" pitchFamily="50" charset="-127"/>
+              </a:rPr>
+              <a:t>오픈 소스 저장소에 대한 링크입니다</a:t>
+            </a:r>
+            <a:r>
+              <a:rPr lang="en-US" altLang="ko-KR" sz="1400" dirty="0">
+                <a:latin typeface="KoPubWorld돋움체_Pro Medium" pitchFamily="50" charset="-127"/>
+                <a:ea typeface="KoPubWorld돋움체_Pro Medium" pitchFamily="50" charset="-127"/>
+                <a:cs typeface="KoPubWorld돋움체_Pro Medium" pitchFamily="50" charset="-127"/>
+              </a:rPr>
+              <a:t>.</a:t>
+            </a:r>
+          </a:p>
+          <a:p>
+            <a:endParaRPr lang="en-US" altLang="ko-KR" sz="1400" dirty="0">
+              <a:latin typeface="KoPubWorld돋움체_Pro Medium" pitchFamily="50" charset="-127"/>
+              <a:ea typeface="KoPubWorld돋움체_Pro Medium" pitchFamily="50" charset="-127"/>
+              <a:cs typeface="KoPubWorld돋움체_Pro Medium" pitchFamily="50" charset="-127"/>
+            </a:endParaRPr>
+          </a:p>
+          <a:p>
+            <a:r>
+              <a:rPr lang="en-US" altLang="ko-KR" sz="1400" dirty="0" err="1">
+                <a:latin typeface="KoPubWorld돋움체_Pro Medium" pitchFamily="50" charset="-127"/>
+                <a:ea typeface="KoPubWorld돋움체_Pro Medium" pitchFamily="50" charset="-127"/>
+                <a:cs typeface="KoPubWorld돋움체_Pro Medium" pitchFamily="50" charset="-127"/>
+              </a:rPr>
+              <a:t>Zalando</a:t>
+            </a:r>
+            <a:r>
+              <a:rPr lang="en-US" altLang="ko-KR" sz="1400" dirty="0">
+                <a:latin typeface="KoPubWorld돋움체_Pro Medium" pitchFamily="50" charset="-127"/>
+                <a:ea typeface="KoPubWorld돋움체_Pro Medium" pitchFamily="50" charset="-127"/>
+                <a:cs typeface="KoPubWorld돋움체_Pro Medium" pitchFamily="50" charset="-127"/>
+              </a:rPr>
+              <a:t>, </a:t>
+            </a:r>
+            <a:r>
+              <a:rPr lang="en-US" altLang="ko-KR" sz="1400" dirty="0" err="1">
+                <a:latin typeface="KoPubWorld돋움체_Pro Medium" pitchFamily="50" charset="-127"/>
+                <a:ea typeface="KoPubWorld돋움체_Pro Medium" pitchFamily="50" charset="-127"/>
+                <a:cs typeface="KoPubWorld돋움체_Pro Medium" pitchFamily="50" charset="-127"/>
+              </a:rPr>
+              <a:t>sovrn</a:t>
+            </a:r>
+            <a:r>
+              <a:rPr lang="en-US" altLang="ko-KR" sz="1400" dirty="0">
+                <a:latin typeface="KoPubWorld돋움체_Pro Medium" pitchFamily="50" charset="-127"/>
+                <a:ea typeface="KoPubWorld돋움체_Pro Medium" pitchFamily="50" charset="-127"/>
+                <a:cs typeface="KoPubWorld돋움체_Pro Medium" pitchFamily="50" charset="-127"/>
+              </a:rPr>
+              <a:t> Holdings </a:t>
+            </a:r>
+            <a:r>
+              <a:rPr lang="ko-KR" altLang="en-US" sz="1400" dirty="0">
+                <a:latin typeface="KoPubWorld돋움체_Pro Medium" pitchFamily="50" charset="-127"/>
+                <a:ea typeface="KoPubWorld돋움체_Pro Medium" pitchFamily="50" charset="-127"/>
+                <a:cs typeface="KoPubWorld돋움체_Pro Medium" pitchFamily="50" charset="-127"/>
+              </a:rPr>
+              <a:t>및 </a:t>
+            </a:r>
+            <a:r>
+              <a:rPr lang="en-US" altLang="ko-KR" sz="1400" dirty="0" err="1">
+                <a:latin typeface="KoPubWorld돋움체_Pro Medium" pitchFamily="50" charset="-127"/>
+                <a:ea typeface="KoPubWorld돋움체_Pro Medium" pitchFamily="50" charset="-127"/>
+                <a:cs typeface="KoPubWorld돋움체_Pro Medium" pitchFamily="50" charset="-127"/>
+              </a:rPr>
+              <a:t>BetterCloud</a:t>
+            </a:r>
+            <a:r>
+              <a:rPr lang="ko-KR" altLang="en-US" sz="1400" dirty="0">
+                <a:latin typeface="KoPubWorld돋움체_Pro Medium" pitchFamily="50" charset="-127"/>
+                <a:ea typeface="KoPubWorld돋움체_Pro Medium" pitchFamily="50" charset="-127"/>
+                <a:cs typeface="KoPubWorld돋움체_Pro Medium" pitchFamily="50" charset="-127"/>
+              </a:rPr>
+              <a:t>는 </a:t>
+            </a:r>
+            <a:r>
+              <a:rPr lang="en-US" altLang="ko-KR" sz="1400" dirty="0">
+                <a:latin typeface="KoPubWorld돋움체_Pro Medium" pitchFamily="50" charset="-127"/>
+                <a:ea typeface="KoPubWorld돋움체_Pro Medium" pitchFamily="50" charset="-127"/>
+                <a:cs typeface="KoPubWorld돋움체_Pro Medium" pitchFamily="50" charset="-127"/>
+              </a:rPr>
+              <a:t>Apache </a:t>
+            </a:r>
+            <a:r>
+              <a:rPr lang="en-US" altLang="ko-KR" sz="1400" dirty="0" err="1">
+                <a:latin typeface="KoPubWorld돋움체_Pro Medium" pitchFamily="50" charset="-127"/>
+                <a:ea typeface="KoPubWorld돋움체_Pro Medium" pitchFamily="50" charset="-127"/>
+                <a:cs typeface="KoPubWorld돋움체_Pro Medium" pitchFamily="50" charset="-127"/>
+              </a:rPr>
+              <a:t>Flink</a:t>
+            </a:r>
+            <a:r>
+              <a:rPr lang="ko-KR" altLang="en-US" sz="1400" dirty="0">
+                <a:latin typeface="KoPubWorld돋움체_Pro Medium" pitchFamily="50" charset="-127"/>
+                <a:ea typeface="KoPubWorld돋움체_Pro Medium" pitchFamily="50" charset="-127"/>
+                <a:cs typeface="KoPubWorld돋움체_Pro Medium" pitchFamily="50" charset="-127"/>
+              </a:rPr>
+              <a:t>를 사용하는 </a:t>
+            </a:r>
+            <a:r>
+              <a:rPr lang="ko-KR" altLang="en-US" sz="1400" dirty="0" err="1">
+                <a:latin typeface="KoPubWorld돋움체_Pro Medium" pitchFamily="50" charset="-127"/>
+                <a:ea typeface="KoPubWorld돋움체_Pro Medium" pitchFamily="50" charset="-127"/>
+                <a:cs typeface="KoPubWorld돋움체_Pro Medium" pitchFamily="50" charset="-127"/>
+              </a:rPr>
+              <a:t>인기있는</a:t>
+            </a:r>
+            <a:r>
+              <a:rPr lang="ko-KR" altLang="en-US" sz="1400" dirty="0">
+                <a:latin typeface="KoPubWorld돋움체_Pro Medium" pitchFamily="50" charset="-127"/>
+                <a:ea typeface="KoPubWorld돋움체_Pro Medium" pitchFamily="50" charset="-127"/>
+                <a:cs typeface="KoPubWorld돋움체_Pro Medium" pitchFamily="50" charset="-127"/>
+              </a:rPr>
+              <a:t> 회사 중 하나이며</a:t>
+            </a:r>
+            <a:r>
+              <a:rPr lang="en-US" altLang="ko-KR" sz="1400" dirty="0">
+                <a:latin typeface="KoPubWorld돋움체_Pro Medium" pitchFamily="50" charset="-127"/>
+                <a:ea typeface="KoPubWorld돋움체_Pro Medium" pitchFamily="50" charset="-127"/>
+                <a:cs typeface="KoPubWorld돋움체_Pro Medium" pitchFamily="50" charset="-127"/>
+              </a:rPr>
+              <a:t>, </a:t>
+            </a:r>
+            <a:r>
+              <a:rPr lang="en-US" altLang="ko-KR" sz="1400" dirty="0" err="1">
+                <a:latin typeface="KoPubWorld돋움체_Pro Medium" pitchFamily="50" charset="-127"/>
+                <a:ea typeface="KoPubWorld돋움체_Pro Medium" pitchFamily="50" charset="-127"/>
+                <a:cs typeface="KoPubWorld돋움체_Pro Medium" pitchFamily="50" charset="-127"/>
+              </a:rPr>
+              <a:t>Cloudera</a:t>
+            </a:r>
+            <a:r>
+              <a:rPr lang="en-US" altLang="ko-KR" sz="1400" dirty="0">
+                <a:latin typeface="KoPubWorld돋움체_Pro Medium" pitchFamily="50" charset="-127"/>
+                <a:ea typeface="KoPubWorld돋움체_Pro Medium" pitchFamily="50" charset="-127"/>
+                <a:cs typeface="KoPubWorld돋움체_Pro Medium" pitchFamily="50" charset="-127"/>
+              </a:rPr>
+              <a:t> Enterprise</a:t>
+            </a:r>
+            <a:r>
+              <a:rPr lang="ko-KR" altLang="en-US" sz="1400" dirty="0">
+                <a:latin typeface="KoPubWorld돋움체_Pro Medium" pitchFamily="50" charset="-127"/>
+                <a:ea typeface="KoPubWorld돋움체_Pro Medium" pitchFamily="50" charset="-127"/>
+                <a:cs typeface="KoPubWorld돋움체_Pro Medium" pitchFamily="50" charset="-127"/>
+              </a:rPr>
+              <a:t>는 </a:t>
+            </a:r>
+            <a:r>
+              <a:rPr lang="en-US" altLang="ko-KR" sz="1400" dirty="0">
+                <a:latin typeface="KoPubWorld돋움체_Pro Medium" pitchFamily="50" charset="-127"/>
+                <a:ea typeface="KoPubWorld돋움체_Pro Medium" pitchFamily="50" charset="-127"/>
+                <a:cs typeface="KoPubWorld돋움체_Pro Medium" pitchFamily="50" charset="-127"/>
+              </a:rPr>
+              <a:t>Hammer Lab, </a:t>
+            </a:r>
+            <a:r>
+              <a:rPr lang="en-US" altLang="ko-KR" sz="1400" dirty="0" err="1">
+                <a:latin typeface="KoPubWorld돋움체_Pro Medium" pitchFamily="50" charset="-127"/>
+                <a:ea typeface="KoPubWorld돋움체_Pro Medium" pitchFamily="50" charset="-127"/>
+                <a:cs typeface="KoPubWorld돋움체_Pro Medium" pitchFamily="50" charset="-127"/>
+              </a:rPr>
+              <a:t>JPush</a:t>
+            </a:r>
+            <a:r>
+              <a:rPr lang="en-US" altLang="ko-KR" sz="1400" dirty="0">
+                <a:latin typeface="KoPubWorld돋움체_Pro Medium" pitchFamily="50" charset="-127"/>
+                <a:ea typeface="KoPubWorld돋움체_Pro Medium" pitchFamily="50" charset="-127"/>
+                <a:cs typeface="KoPubWorld돋움체_Pro Medium" pitchFamily="50" charset="-127"/>
+              </a:rPr>
+              <a:t> </a:t>
+            </a:r>
+            <a:r>
+              <a:rPr lang="ko-KR" altLang="en-US" sz="1400" dirty="0">
+                <a:latin typeface="KoPubWorld돋움체_Pro Medium" pitchFamily="50" charset="-127"/>
+                <a:ea typeface="KoPubWorld돋움체_Pro Medium" pitchFamily="50" charset="-127"/>
+                <a:cs typeface="KoPubWorld돋움체_Pro Medium" pitchFamily="50" charset="-127"/>
+              </a:rPr>
+              <a:t>및 </a:t>
+            </a:r>
+            <a:r>
+              <a:rPr lang="en-US" altLang="ko-KR" sz="1400" dirty="0" err="1">
+                <a:latin typeface="KoPubWorld돋움체_Pro Medium" pitchFamily="50" charset="-127"/>
+                <a:ea typeface="KoPubWorld돋움체_Pro Medium" pitchFamily="50" charset="-127"/>
+                <a:cs typeface="KoPubWorld돋움체_Pro Medium" pitchFamily="50" charset="-127"/>
+              </a:rPr>
+              <a:t>Jobrapido</a:t>
+            </a:r>
+            <a:r>
+              <a:rPr lang="ko-KR" altLang="en-US" sz="1400" dirty="0">
+                <a:latin typeface="KoPubWorld돋움체_Pro Medium" pitchFamily="50" charset="-127"/>
+                <a:ea typeface="KoPubWorld돋움체_Pro Medium" pitchFamily="50" charset="-127"/>
+                <a:cs typeface="KoPubWorld돋움체_Pro Medium" pitchFamily="50" charset="-127"/>
+              </a:rPr>
+              <a:t>에서 사용합니다</a:t>
+            </a:r>
+            <a:r>
+              <a:rPr lang="en-US" altLang="ko-KR" sz="1400" dirty="0">
+                <a:latin typeface="KoPubWorld돋움체_Pro Medium" pitchFamily="50" charset="-127"/>
+                <a:ea typeface="KoPubWorld돋움체_Pro Medium" pitchFamily="50" charset="-127"/>
+                <a:cs typeface="KoPubWorld돋움체_Pro Medium" pitchFamily="50" charset="-127"/>
+              </a:rPr>
+              <a:t>. Apache </a:t>
+            </a:r>
+            <a:r>
+              <a:rPr lang="en-US" altLang="ko-KR" sz="1400" dirty="0" err="1">
+                <a:latin typeface="KoPubWorld돋움체_Pro Medium" pitchFamily="50" charset="-127"/>
+                <a:ea typeface="KoPubWorld돋움체_Pro Medium" pitchFamily="50" charset="-127"/>
+                <a:cs typeface="KoPubWorld돋움체_Pro Medium" pitchFamily="50" charset="-127"/>
+              </a:rPr>
+              <a:t>Flink</a:t>
+            </a:r>
+            <a:r>
+              <a:rPr lang="ko-KR" altLang="en-US" sz="1400" dirty="0">
+                <a:latin typeface="KoPubWorld돋움체_Pro Medium" pitchFamily="50" charset="-127"/>
+                <a:ea typeface="KoPubWorld돋움체_Pro Medium" pitchFamily="50" charset="-127"/>
+                <a:cs typeface="KoPubWorld돋움체_Pro Medium" pitchFamily="50" charset="-127"/>
+              </a:rPr>
+              <a:t>는 </a:t>
+            </a:r>
+            <a:r>
+              <a:rPr lang="en-US" altLang="ko-KR" sz="1400" dirty="0">
+                <a:latin typeface="KoPubWorld돋움체_Pro Medium" pitchFamily="50" charset="-127"/>
+                <a:ea typeface="KoPubWorld돋움체_Pro Medium" pitchFamily="50" charset="-127"/>
+                <a:cs typeface="KoPubWorld돋움체_Pro Medium" pitchFamily="50" charset="-127"/>
+              </a:rPr>
+              <a:t>20 </a:t>
+            </a:r>
+            <a:r>
+              <a:rPr lang="ko-KR" altLang="en-US" sz="1400" dirty="0">
+                <a:latin typeface="KoPubWorld돋움체_Pro Medium" pitchFamily="50" charset="-127"/>
+                <a:ea typeface="KoPubWorld돋움체_Pro Medium" pitchFamily="50" charset="-127"/>
+                <a:cs typeface="KoPubWorld돋움체_Pro Medium" pitchFamily="50" charset="-127"/>
+              </a:rPr>
+              <a:t>개의 회사 </a:t>
+            </a:r>
+            <a:r>
+              <a:rPr lang="ko-KR" altLang="en-US" sz="1400" dirty="0" err="1">
+                <a:latin typeface="KoPubWorld돋움체_Pro Medium" pitchFamily="50" charset="-127"/>
+                <a:ea typeface="KoPubWorld돋움체_Pro Medium" pitchFamily="50" charset="-127"/>
+                <a:cs typeface="KoPubWorld돋움체_Pro Medium" pitchFamily="50" charset="-127"/>
+              </a:rPr>
+              <a:t>스택과</a:t>
+            </a:r>
+            <a:r>
+              <a:rPr lang="ko-KR" altLang="en-US" sz="1400" dirty="0">
+                <a:latin typeface="KoPubWorld돋움체_Pro Medium" pitchFamily="50" charset="-127"/>
+                <a:ea typeface="KoPubWorld돋움체_Pro Medium" pitchFamily="50" charset="-127"/>
+                <a:cs typeface="KoPubWorld돋움체_Pro Medium" pitchFamily="50" charset="-127"/>
+              </a:rPr>
+              <a:t> </a:t>
+            </a:r>
+            <a:r>
+              <a:rPr lang="en-US" altLang="ko-KR" sz="1400" dirty="0">
+                <a:latin typeface="KoPubWorld돋움체_Pro Medium" pitchFamily="50" charset="-127"/>
+                <a:ea typeface="KoPubWorld돋움체_Pro Medium" pitchFamily="50" charset="-127"/>
+                <a:cs typeface="KoPubWorld돋움체_Pro Medium" pitchFamily="50" charset="-127"/>
+              </a:rPr>
+              <a:t>21 </a:t>
+            </a:r>
+            <a:r>
+              <a:rPr lang="ko-KR" altLang="en-US" sz="1400" dirty="0">
+                <a:latin typeface="KoPubWorld돋움체_Pro Medium" pitchFamily="50" charset="-127"/>
+                <a:ea typeface="KoPubWorld돋움체_Pro Medium" pitchFamily="50" charset="-127"/>
+                <a:cs typeface="KoPubWorld돋움체_Pro Medium" pitchFamily="50" charset="-127"/>
+              </a:rPr>
+              <a:t>개의 개발자 </a:t>
+            </a:r>
+            <a:r>
+              <a:rPr lang="ko-KR" altLang="en-US" sz="1400" dirty="0" err="1">
+                <a:latin typeface="KoPubWorld돋움체_Pro Medium" pitchFamily="50" charset="-127"/>
+                <a:ea typeface="KoPubWorld돋움체_Pro Medium" pitchFamily="50" charset="-127"/>
+                <a:cs typeface="KoPubWorld돋움체_Pro Medium" pitchFamily="50" charset="-127"/>
+              </a:rPr>
+              <a:t>스택에서</a:t>
+            </a:r>
+            <a:r>
+              <a:rPr lang="ko-KR" altLang="en-US" sz="1400" dirty="0">
+                <a:latin typeface="KoPubWorld돋움체_Pro Medium" pitchFamily="50" charset="-127"/>
+                <a:ea typeface="KoPubWorld돋움체_Pro Medium" pitchFamily="50" charset="-127"/>
+                <a:cs typeface="KoPubWorld돋움체_Pro Medium" pitchFamily="50" charset="-127"/>
+              </a:rPr>
+              <a:t> 언급되는 광범위한 승인을 받았습니다</a:t>
+            </a:r>
+            <a:r>
+              <a:rPr lang="en-US" altLang="ko-KR" sz="1400" dirty="0">
+                <a:latin typeface="KoPubWorld돋움체_Pro Medium" pitchFamily="50" charset="-127"/>
+                <a:ea typeface="KoPubWorld돋움체_Pro Medium" pitchFamily="50" charset="-127"/>
+                <a:cs typeface="KoPubWorld돋움체_Pro Medium" pitchFamily="50" charset="-127"/>
+              </a:rPr>
+              <a:t>. 4 </a:t>
+            </a:r>
+            <a:r>
+              <a:rPr lang="ko-KR" altLang="en-US" sz="1400" dirty="0">
+                <a:latin typeface="KoPubWorld돋움체_Pro Medium" pitchFamily="50" charset="-127"/>
+                <a:ea typeface="KoPubWorld돋움체_Pro Medium" pitchFamily="50" charset="-127"/>
+                <a:cs typeface="KoPubWorld돋움체_Pro Medium" pitchFamily="50" charset="-127"/>
+              </a:rPr>
+              <a:t>개의 회사 </a:t>
+            </a:r>
+            <a:r>
+              <a:rPr lang="ko-KR" altLang="en-US" sz="1400" dirty="0" err="1">
+                <a:latin typeface="KoPubWorld돋움체_Pro Medium" pitchFamily="50" charset="-127"/>
+                <a:ea typeface="KoPubWorld돋움체_Pro Medium" pitchFamily="50" charset="-127"/>
+                <a:cs typeface="KoPubWorld돋움체_Pro Medium" pitchFamily="50" charset="-127"/>
+              </a:rPr>
+              <a:t>스택과</a:t>
+            </a:r>
+            <a:r>
+              <a:rPr lang="ko-KR" altLang="en-US" sz="1400" dirty="0">
+                <a:latin typeface="KoPubWorld돋움체_Pro Medium" pitchFamily="50" charset="-127"/>
+                <a:ea typeface="KoPubWorld돋움체_Pro Medium" pitchFamily="50" charset="-127"/>
+                <a:cs typeface="KoPubWorld돋움체_Pro Medium" pitchFamily="50" charset="-127"/>
+              </a:rPr>
+              <a:t> </a:t>
+            </a:r>
+            <a:r>
+              <a:rPr lang="en-US" altLang="ko-KR" sz="1400" dirty="0">
+                <a:latin typeface="KoPubWorld돋움체_Pro Medium" pitchFamily="50" charset="-127"/>
+                <a:ea typeface="KoPubWorld돋움체_Pro Medium" pitchFamily="50" charset="-127"/>
+                <a:cs typeface="KoPubWorld돋움체_Pro Medium" pitchFamily="50" charset="-127"/>
+              </a:rPr>
+              <a:t>7 </a:t>
+            </a:r>
+            <a:r>
+              <a:rPr lang="ko-KR" altLang="en-US" sz="1400" dirty="0">
+                <a:latin typeface="KoPubWorld돋움체_Pro Medium" pitchFamily="50" charset="-127"/>
+                <a:ea typeface="KoPubWorld돋움체_Pro Medium" pitchFamily="50" charset="-127"/>
+                <a:cs typeface="KoPubWorld돋움체_Pro Medium" pitchFamily="50" charset="-127"/>
+              </a:rPr>
+              <a:t>개의 개발자 </a:t>
+            </a:r>
+            <a:r>
+              <a:rPr lang="ko-KR" altLang="en-US" sz="1400" dirty="0" err="1">
+                <a:latin typeface="KoPubWorld돋움체_Pro Medium" pitchFamily="50" charset="-127"/>
+                <a:ea typeface="KoPubWorld돋움체_Pro Medium" pitchFamily="50" charset="-127"/>
+                <a:cs typeface="KoPubWorld돋움체_Pro Medium" pitchFamily="50" charset="-127"/>
+              </a:rPr>
+              <a:t>스택에</a:t>
+            </a:r>
+            <a:r>
+              <a:rPr lang="ko-KR" altLang="en-US" sz="1400" dirty="0">
+                <a:latin typeface="KoPubWorld돋움체_Pro Medium" pitchFamily="50" charset="-127"/>
+                <a:ea typeface="KoPubWorld돋움체_Pro Medium" pitchFamily="50" charset="-127"/>
+                <a:cs typeface="KoPubWorld돋움체_Pro Medium" pitchFamily="50" charset="-127"/>
+              </a:rPr>
+              <a:t> 나열된 </a:t>
+            </a:r>
+            <a:r>
+              <a:rPr lang="en-US" altLang="ko-KR" sz="1400" dirty="0" err="1">
+                <a:latin typeface="KoPubWorld돋움체_Pro Medium" pitchFamily="50" charset="-127"/>
+                <a:ea typeface="KoPubWorld돋움체_Pro Medium" pitchFamily="50" charset="-127"/>
+                <a:cs typeface="KoPubWorld돋움체_Pro Medium" pitchFamily="50" charset="-127"/>
+              </a:rPr>
+              <a:t>Cloudera</a:t>
+            </a:r>
+            <a:r>
+              <a:rPr lang="en-US" altLang="ko-KR" sz="1400" dirty="0">
+                <a:latin typeface="KoPubWorld돋움체_Pro Medium" pitchFamily="50" charset="-127"/>
+                <a:ea typeface="KoPubWorld돋움체_Pro Medium" pitchFamily="50" charset="-127"/>
+                <a:cs typeface="KoPubWorld돋움체_Pro Medium" pitchFamily="50" charset="-127"/>
+              </a:rPr>
+              <a:t> Enterprise</a:t>
+            </a:r>
+            <a:r>
+              <a:rPr lang="ko-KR" altLang="en-US" sz="1400" dirty="0">
+                <a:latin typeface="KoPubWorld돋움체_Pro Medium" pitchFamily="50" charset="-127"/>
+                <a:ea typeface="KoPubWorld돋움체_Pro Medium" pitchFamily="50" charset="-127"/>
+                <a:cs typeface="KoPubWorld돋움체_Pro Medium" pitchFamily="50" charset="-127"/>
+              </a:rPr>
+              <a:t>와 비교됩니다</a:t>
+            </a:r>
+            <a:endParaRPr lang="en-US" altLang="ko-KR" sz="1400" dirty="0" smtClean="0">
+              <a:latin typeface="KoPubWorld돋움체_Pro Medium" panose="00000600000000000000" pitchFamily="50" charset="-127"/>
+              <a:ea typeface="KoPubWorld돋움체_Pro Medium" panose="00000600000000000000" pitchFamily="50" charset="-127"/>
+              <a:cs typeface="KoPubWorld돋움체_Pro Medium" panose="00000600000000000000" pitchFamily="50" charset="-127"/>
+            </a:endParaRPr>
+          </a:p>
+        </p:txBody>
+      </p:sp>
+    </p:spTree>
+    <p:extLst>
+      <p:ext uri="{BB962C8B-B14F-4D97-AF65-F5344CB8AC3E}">
+        <p14:creationId xmlns:p14="http://schemas.microsoft.com/office/powerpoint/2010/main" val="4246524239"/>
+      </p:ext>
+    </p:extLst>
+  </p:cSld>
+  <p:clrMapOvr>
+    <a:masterClrMapping/>
+  </p:clrMapOvr>
+  <p:timing>
+    <p:tnLst>
+      <p:par>
+        <p:cTn id="1" dur="indefinite" restart="never" nodeType="tmRoot"/>
+      </p:par>
+    </p:tnLst>
+  </p:timing>
+</p:sld>
+</file>
+
+<file path=ppt/slides/slide17.xml><?xml version="1.0" encoding="utf-8"?>
+<p:sld xmlns:a="http://schemas.openxmlformats.org/drawingml/2006/main" xmlns:r="http://schemas.openxmlformats.org/officeDocument/2006/relationships" xmlns:p="http://schemas.openxmlformats.org/presentationml/2006/main">
+  <p:cSld>
+    <p:spTree>
+      <p:nvGrpSpPr>
+        <p:cNvPr id="1" name=""/>
+        <p:cNvGrpSpPr/>
+        <p:nvPr/>
+      </p:nvGrpSpPr>
+      <p:grpSpPr>
+        <a:xfrm>
+          <a:off x="0" y="0"/>
+          <a:ext cx="0" cy="0"/>
+          <a:chOff x="0" y="0"/>
+          <a:chExt cx="0" cy="0"/>
+        </a:xfrm>
+      </p:grpSpPr>
+      <p:sp>
+        <p:nvSpPr>
+          <p:cNvPr id="5" name="TextBox 4"/>
+          <p:cNvSpPr txBox="1"/>
+          <p:nvPr/>
+        </p:nvSpPr>
+        <p:spPr>
+          <a:xfrm>
             <a:off x="116632" y="179512"/>
             <a:ext cx="5976664" cy="307777"/>
           </a:xfrm>
@@ -10078,6 +11594,388 @@
           </p:txBody>
         </p:sp>
       </p:grpSp>
+      <p:sp>
+        <p:nvSpPr>
+          <p:cNvPr id="17" name="TextBox 16"/>
+          <p:cNvSpPr txBox="1"/>
+          <p:nvPr/>
+        </p:nvSpPr>
+        <p:spPr>
+          <a:xfrm>
+            <a:off x="119190" y="487289"/>
+            <a:ext cx="5976664" cy="954107"/>
+          </a:xfrm>
+          <a:prstGeom prst="rect">
+            <a:avLst/>
+          </a:prstGeom>
+          <a:noFill/>
+        </p:spPr>
+        <p:txBody>
+          <a:bodyPr wrap="square" rtlCol="0">
+            <a:spAutoFit/>
+          </a:bodyPr>
+          <a:lstStyle/>
+          <a:p>
+            <a:r>
+              <a:rPr lang="ko-KR" altLang="en-US" sz="1400" b="1" dirty="0" smtClean="0">
+                <a:latin typeface="KoPubWorld돋움체_Pro Medium" pitchFamily="50" charset="-127"/>
+                <a:ea typeface="KoPubWorld돋움체_Pro Medium" pitchFamily="50" charset="-127"/>
+                <a:cs typeface="KoPubWorld돋움체_Pro Medium" pitchFamily="50" charset="-127"/>
+              </a:rPr>
+              <a:t>수집</a:t>
+            </a:r>
+            <a:r>
+              <a:rPr lang="ko-KR" altLang="en-US" sz="1400" dirty="0" smtClean="0">
+                <a:latin typeface="KoPubWorld돋움체_Pro Medium" pitchFamily="50" charset="-127"/>
+                <a:ea typeface="KoPubWorld돋움체_Pro Medium" pitchFamily="50" charset="-127"/>
+                <a:cs typeface="KoPubWorld돋움체_Pro Medium" pitchFamily="50" charset="-127"/>
+              </a:rPr>
+              <a:t> </a:t>
+            </a:r>
+            <a:r>
+              <a:rPr lang="en-US" altLang="ko-KR" sz="1400" dirty="0" smtClean="0">
+                <a:latin typeface="KoPubWorld돋움체_Pro Medium" pitchFamily="50" charset="-127"/>
+                <a:ea typeface="KoPubWorld돋움체_Pro Medium" pitchFamily="50" charset="-127"/>
+                <a:cs typeface="KoPubWorld돋움체_Pro Medium" pitchFamily="50" charset="-127"/>
+              </a:rPr>
+              <a:t>Flume, </a:t>
+            </a:r>
+            <a:r>
+              <a:rPr lang="en-US" altLang="ko-KR" sz="1400" dirty="0" err="1" smtClean="0">
+                <a:latin typeface="KoPubWorld돋움체_Pro Medium" pitchFamily="50" charset="-127"/>
+                <a:ea typeface="KoPubWorld돋움체_Pro Medium" pitchFamily="50" charset="-127"/>
+                <a:cs typeface="KoPubWorld돋움체_Pro Medium" pitchFamily="50" charset="-127"/>
+              </a:rPr>
+              <a:t>Fluented</a:t>
+            </a:r>
+            <a:r>
+              <a:rPr lang="en-US" altLang="ko-KR" sz="1400" dirty="0" smtClean="0">
+                <a:latin typeface="KoPubWorld돋움체_Pro Medium" pitchFamily="50" charset="-127"/>
+                <a:ea typeface="KoPubWorld돋움체_Pro Medium" pitchFamily="50" charset="-127"/>
+                <a:cs typeface="KoPubWorld돋움체_Pro Medium" pitchFamily="50" charset="-127"/>
+              </a:rPr>
+              <a:t>, Scribe, </a:t>
+            </a:r>
+            <a:r>
+              <a:rPr lang="en-US" altLang="ko-KR" sz="1400" dirty="0" err="1" smtClean="0">
+                <a:latin typeface="KoPubWorld돋움체_Pro Medium" pitchFamily="50" charset="-127"/>
+                <a:ea typeface="KoPubWorld돋움체_Pro Medium" pitchFamily="50" charset="-127"/>
+                <a:cs typeface="KoPubWorld돋움체_Pro Medium" pitchFamily="50" charset="-127"/>
+              </a:rPr>
+              <a:t>Logstash</a:t>
+            </a:r>
+            <a:r>
+              <a:rPr lang="en-US" altLang="ko-KR" sz="1400" dirty="0" smtClean="0">
+                <a:latin typeface="KoPubWorld돋움체_Pro Medium" pitchFamily="50" charset="-127"/>
+                <a:ea typeface="KoPubWorld돋움체_Pro Medium" pitchFamily="50" charset="-127"/>
+                <a:cs typeface="KoPubWorld돋움체_Pro Medium" pitchFamily="50" charset="-127"/>
+              </a:rPr>
+              <a:t>, </a:t>
+            </a:r>
+            <a:r>
+              <a:rPr lang="en-US" altLang="ko-KR" sz="1400" dirty="0" err="1" smtClean="0">
+                <a:latin typeface="KoPubWorld돋움체_Pro Medium" pitchFamily="50" charset="-127"/>
+                <a:ea typeface="KoPubWorld돋움체_Pro Medium" pitchFamily="50" charset="-127"/>
+                <a:cs typeface="KoPubWorld돋움체_Pro Medium" pitchFamily="50" charset="-127"/>
+              </a:rPr>
+              <a:t>Chukwa</a:t>
+            </a:r>
+            <a:r>
+              <a:rPr lang="ko-KR" altLang="en-US" sz="1400" dirty="0" smtClean="0">
+                <a:latin typeface="KoPubWorld돋움체_Pro Medium" pitchFamily="50" charset="-127"/>
+                <a:ea typeface="KoPubWorld돋움체_Pro Medium" pitchFamily="50" charset="-127"/>
+                <a:cs typeface="KoPubWorld돋움체_Pro Medium" pitchFamily="50" charset="-127"/>
+              </a:rPr>
+              <a:t> </a:t>
+            </a:r>
+            <a:endParaRPr lang="en-US" altLang="ko-KR" sz="1400" dirty="0" smtClean="0">
+              <a:latin typeface="KoPubWorld돋움체_Pro Medium" pitchFamily="50" charset="-127"/>
+              <a:ea typeface="KoPubWorld돋움체_Pro Medium" pitchFamily="50" charset="-127"/>
+              <a:cs typeface="KoPubWorld돋움체_Pro Medium" pitchFamily="50" charset="-127"/>
+            </a:endParaRPr>
+          </a:p>
+          <a:p>
+            <a:r>
+              <a:rPr lang="ko-KR" altLang="en-US" sz="1400" b="1" dirty="0" smtClean="0">
+                <a:latin typeface="KoPubWorld돋움체_Pro Medium" pitchFamily="50" charset="-127"/>
+                <a:ea typeface="KoPubWorld돋움체_Pro Medium" pitchFamily="50" charset="-127"/>
+                <a:cs typeface="KoPubWorld돋움체_Pro Medium" pitchFamily="50" charset="-127"/>
+              </a:rPr>
+              <a:t>적재</a:t>
+            </a:r>
+            <a:r>
+              <a:rPr lang="ko-KR" altLang="en-US" sz="1400" dirty="0" smtClean="0">
+                <a:latin typeface="KoPubWorld돋움체_Pro Medium" pitchFamily="50" charset="-127"/>
+                <a:ea typeface="KoPubWorld돋움체_Pro Medium" pitchFamily="50" charset="-127"/>
+                <a:cs typeface="KoPubWorld돋움체_Pro Medium" pitchFamily="50" charset="-127"/>
+              </a:rPr>
+              <a:t> </a:t>
+            </a:r>
+            <a:r>
+              <a:rPr lang="en-US" altLang="ko-KR" sz="1400" dirty="0" err="1" smtClean="0">
+                <a:latin typeface="KoPubWorld돋움체_Pro Medium" pitchFamily="50" charset="-127"/>
+                <a:ea typeface="KoPubWorld돋움체_Pro Medium" pitchFamily="50" charset="-127"/>
+                <a:cs typeface="KoPubWorld돋움체_Pro Medium" pitchFamily="50" charset="-127"/>
+              </a:rPr>
+              <a:t>Hbase</a:t>
+            </a:r>
+            <a:r>
+              <a:rPr lang="en-US" altLang="ko-KR" sz="1400" dirty="0" smtClean="0">
+                <a:latin typeface="KoPubWorld돋움체_Pro Medium" pitchFamily="50" charset="-127"/>
+                <a:ea typeface="KoPubWorld돋움체_Pro Medium" pitchFamily="50" charset="-127"/>
+                <a:cs typeface="KoPubWorld돋움체_Pro Medium" pitchFamily="50" charset="-127"/>
+              </a:rPr>
+              <a:t>(</a:t>
+            </a:r>
+            <a:r>
+              <a:rPr lang="en-US" altLang="ko-KR" sz="1400" dirty="0" err="1" smtClean="0">
+                <a:latin typeface="KoPubWorld돋움체_Pro Medium" pitchFamily="50" charset="-127"/>
+                <a:ea typeface="KoPubWorld돋움체_Pro Medium" pitchFamily="50" charset="-127"/>
+                <a:cs typeface="KoPubWorld돋움체_Pro Medium" pitchFamily="50" charset="-127"/>
+              </a:rPr>
+              <a:t>NoSQL</a:t>
+            </a:r>
+            <a:r>
+              <a:rPr lang="ko-KR" altLang="en-US" sz="1400" dirty="0" smtClean="0">
+                <a:latin typeface="KoPubWorld돋움체_Pro Medium" pitchFamily="50" charset="-127"/>
+                <a:ea typeface="KoPubWorld돋움체_Pro Medium" pitchFamily="50" charset="-127"/>
+                <a:cs typeface="KoPubWorld돋움체_Pro Medium" pitchFamily="50" charset="-127"/>
+              </a:rPr>
+              <a:t>저장소</a:t>
+            </a:r>
+            <a:r>
+              <a:rPr lang="en-US" altLang="ko-KR" sz="1400" dirty="0" smtClean="0">
+                <a:latin typeface="KoPubWorld돋움체_Pro Medium" pitchFamily="50" charset="-127"/>
+                <a:ea typeface="KoPubWorld돋움체_Pro Medium" pitchFamily="50" charset="-127"/>
+                <a:cs typeface="KoPubWorld돋움체_Pro Medium" pitchFamily="50" charset="-127"/>
+              </a:rPr>
+              <a:t>), </a:t>
+            </a:r>
+            <a:r>
+              <a:rPr lang="en-US" altLang="ko-KR" sz="1400" dirty="0" err="1" smtClean="0">
+                <a:latin typeface="KoPubWorld돋움체_Pro Medium" pitchFamily="50" charset="-127"/>
+                <a:ea typeface="KoPubWorld돋움체_Pro Medium" pitchFamily="50" charset="-127"/>
+                <a:cs typeface="KoPubWorld돋움체_Pro Medium" pitchFamily="50" charset="-127"/>
+              </a:rPr>
+              <a:t>Redis</a:t>
+            </a:r>
+            <a:r>
+              <a:rPr lang="en-US" altLang="ko-KR" sz="1400" dirty="0" smtClean="0">
+                <a:latin typeface="KoPubWorld돋움체_Pro Medium" pitchFamily="50" charset="-127"/>
+                <a:ea typeface="KoPubWorld돋움체_Pro Medium" pitchFamily="50" charset="-127"/>
+                <a:cs typeface="KoPubWorld돋움체_Pro Medium" pitchFamily="50" charset="-127"/>
+              </a:rPr>
+              <a:t>(</a:t>
+            </a:r>
+            <a:r>
+              <a:rPr lang="ko-KR" altLang="en-US" sz="1400" dirty="0" smtClean="0">
+                <a:latin typeface="KoPubWorld돋움체_Pro Medium" pitchFamily="50" charset="-127"/>
+                <a:ea typeface="KoPubWorld돋움체_Pro Medium" pitchFamily="50" charset="-127"/>
+                <a:cs typeface="KoPubWorld돋움체_Pro Medium" pitchFamily="50" charset="-127"/>
+              </a:rPr>
+              <a:t>분산캐시 저장소</a:t>
+            </a:r>
+            <a:r>
+              <a:rPr lang="en-US" altLang="ko-KR" sz="1400" dirty="0" smtClean="0">
+                <a:latin typeface="KoPubWorld돋움체_Pro Medium" pitchFamily="50" charset="-127"/>
+                <a:ea typeface="KoPubWorld돋움체_Pro Medium" pitchFamily="50" charset="-127"/>
+                <a:cs typeface="KoPubWorld돋움체_Pro Medium" pitchFamily="50" charset="-127"/>
+              </a:rPr>
+              <a:t>), Kafka(</a:t>
+            </a:r>
+            <a:r>
+              <a:rPr lang="ko-KR" altLang="en-US" sz="1400" dirty="0" err="1" smtClean="0">
+                <a:latin typeface="KoPubWorld돋움체_Pro Medium" pitchFamily="50" charset="-127"/>
+                <a:ea typeface="KoPubWorld돋움체_Pro Medium" pitchFamily="50" charset="-127"/>
+                <a:cs typeface="KoPubWorld돋움체_Pro Medium" pitchFamily="50" charset="-127"/>
+              </a:rPr>
+              <a:t>메시징</a:t>
+            </a:r>
+            <a:r>
+              <a:rPr lang="ko-KR" altLang="en-US" sz="1400" dirty="0" smtClean="0">
+                <a:latin typeface="KoPubWorld돋움체_Pro Medium" pitchFamily="50" charset="-127"/>
+                <a:ea typeface="KoPubWorld돋움체_Pro Medium" pitchFamily="50" charset="-127"/>
+                <a:cs typeface="KoPubWorld돋움체_Pro Medium" pitchFamily="50" charset="-127"/>
+              </a:rPr>
+              <a:t> 저장소</a:t>
+            </a:r>
+            <a:r>
+              <a:rPr lang="en-US" altLang="ko-KR" sz="1400" dirty="0" smtClean="0">
+                <a:latin typeface="KoPubWorld돋움체_Pro Medium" pitchFamily="50" charset="-127"/>
+                <a:ea typeface="KoPubWorld돋움체_Pro Medium" pitchFamily="50" charset="-127"/>
+                <a:cs typeface="KoPubWorld돋움체_Pro Medium" pitchFamily="50" charset="-127"/>
+              </a:rPr>
+              <a:t>)</a:t>
+            </a:r>
+          </a:p>
+          <a:p>
+            <a:r>
+              <a:rPr lang="ko-KR" altLang="en-US" sz="1400" b="1" dirty="0" smtClean="0">
+                <a:latin typeface="KoPubWorld돋움체_Pro Medium" pitchFamily="50" charset="-127"/>
+                <a:ea typeface="KoPubWorld돋움체_Pro Medium" pitchFamily="50" charset="-127"/>
+                <a:cs typeface="KoPubWorld돋움체_Pro Medium" pitchFamily="50" charset="-127"/>
+              </a:rPr>
+              <a:t>처리</a:t>
+            </a:r>
+            <a:r>
+              <a:rPr lang="en-US" altLang="ko-KR" sz="1400" b="1" dirty="0" smtClean="0">
+                <a:latin typeface="KoPubWorld돋움체_Pro Medium" pitchFamily="50" charset="-127"/>
+                <a:ea typeface="KoPubWorld돋움체_Pro Medium" pitchFamily="50" charset="-127"/>
+                <a:cs typeface="KoPubWorld돋움체_Pro Medium" pitchFamily="50" charset="-127"/>
+              </a:rPr>
+              <a:t>/</a:t>
+            </a:r>
+            <a:r>
+              <a:rPr lang="ko-KR" altLang="en-US" sz="1400" b="1" dirty="0" smtClean="0">
+                <a:latin typeface="KoPubWorld돋움체_Pro Medium" pitchFamily="50" charset="-127"/>
+                <a:ea typeface="KoPubWorld돋움체_Pro Medium" pitchFamily="50" charset="-127"/>
+                <a:cs typeface="KoPubWorld돋움체_Pro Medium" pitchFamily="50" charset="-127"/>
+              </a:rPr>
+              <a:t>탐색</a:t>
+            </a:r>
+            <a:r>
+              <a:rPr lang="ko-KR" altLang="en-US" sz="1400" dirty="0" smtClean="0">
+                <a:latin typeface="KoPubWorld돋움체_Pro Medium" pitchFamily="50" charset="-127"/>
+                <a:ea typeface="KoPubWorld돋움체_Pro Medium" pitchFamily="50" charset="-127"/>
+                <a:cs typeface="KoPubWorld돋움체_Pro Medium" pitchFamily="50" charset="-127"/>
+              </a:rPr>
+              <a:t> </a:t>
+            </a:r>
+            <a:r>
+              <a:rPr lang="en-US" altLang="ko-KR" sz="1400" dirty="0" smtClean="0">
+                <a:latin typeface="KoPubWorld돋움체_Pro Medium" pitchFamily="50" charset="-127"/>
+                <a:ea typeface="KoPubWorld돋움체_Pro Medium" pitchFamily="50" charset="-127"/>
+                <a:cs typeface="KoPubWorld돋움체_Pro Medium" pitchFamily="50" charset="-127"/>
+              </a:rPr>
+              <a:t>Hue, Hive, </a:t>
+            </a:r>
+            <a:r>
+              <a:rPr lang="en-US" altLang="ko-KR" sz="1400" dirty="0" err="1" smtClean="0">
+                <a:latin typeface="KoPubWorld돋움체_Pro Medium" pitchFamily="50" charset="-127"/>
+                <a:ea typeface="KoPubWorld돋움체_Pro Medium" pitchFamily="50" charset="-127"/>
+                <a:cs typeface="KoPubWorld돋움체_Pro Medium" pitchFamily="50" charset="-127"/>
+              </a:rPr>
+              <a:t>SparkSQL</a:t>
+            </a:r>
+            <a:r>
+              <a:rPr lang="en-US" altLang="ko-KR" sz="1400" dirty="0" smtClean="0">
+                <a:latin typeface="KoPubWorld돋움체_Pro Medium" pitchFamily="50" charset="-127"/>
+                <a:ea typeface="KoPubWorld돋움체_Pro Medium" pitchFamily="50" charset="-127"/>
+                <a:cs typeface="KoPubWorld돋움체_Pro Medium" pitchFamily="50" charset="-127"/>
+              </a:rPr>
+              <a:t>, </a:t>
+            </a:r>
+            <a:r>
+              <a:rPr lang="en-US" altLang="ko-KR" sz="1400" dirty="0" err="1" smtClean="0">
+                <a:latin typeface="KoPubWorld돋움체_Pro Medium" pitchFamily="50" charset="-127"/>
+                <a:ea typeface="KoPubWorld돋움체_Pro Medium" pitchFamily="50" charset="-127"/>
+                <a:cs typeface="KoPubWorld돋움체_Pro Medium" pitchFamily="50" charset="-127"/>
+              </a:rPr>
+              <a:t>Oozie</a:t>
+            </a:r>
+            <a:endParaRPr lang="en-US" altLang="ko-KR" sz="1400" dirty="0">
+              <a:latin typeface="KoPubWorld돋움체_Pro Medium" pitchFamily="50" charset="-127"/>
+              <a:ea typeface="KoPubWorld돋움체_Pro Medium" pitchFamily="50" charset="-127"/>
+              <a:cs typeface="KoPubWorld돋움체_Pro Medium" pitchFamily="50" charset="-127"/>
+            </a:endParaRPr>
+          </a:p>
+          <a:p>
+            <a:r>
+              <a:rPr lang="ko-KR" altLang="en-US" sz="1400" b="1" dirty="0" smtClean="0">
+                <a:latin typeface="KoPubWorld돋움체_Pro Medium" pitchFamily="50" charset="-127"/>
+                <a:ea typeface="KoPubWorld돋움체_Pro Medium" pitchFamily="50" charset="-127"/>
+                <a:cs typeface="KoPubWorld돋움체_Pro Medium" pitchFamily="50" charset="-127"/>
+              </a:rPr>
+              <a:t>분석</a:t>
+            </a:r>
+            <a:r>
+              <a:rPr lang="en-US" altLang="ko-KR" sz="1400" b="1" dirty="0">
+                <a:latin typeface="KoPubWorld돋움체_Pro Medium" pitchFamily="50" charset="-127"/>
+                <a:ea typeface="KoPubWorld돋움체_Pro Medium" pitchFamily="50" charset="-127"/>
+                <a:cs typeface="KoPubWorld돋움체_Pro Medium" pitchFamily="50" charset="-127"/>
+              </a:rPr>
+              <a:t> </a:t>
+            </a:r>
+            <a:r>
+              <a:rPr lang="en-US" altLang="ko-KR" sz="1400" b="1" dirty="0" smtClean="0">
+                <a:latin typeface="KoPubWorld돋움체_Pro Medium" pitchFamily="50" charset="-127"/>
+                <a:ea typeface="KoPubWorld돋움체_Pro Medium" pitchFamily="50" charset="-127"/>
+                <a:cs typeface="KoPubWorld돋움체_Pro Medium" pitchFamily="50" charset="-127"/>
+              </a:rPr>
+              <a:t>/ </a:t>
+            </a:r>
+            <a:r>
+              <a:rPr lang="ko-KR" altLang="en-US" sz="1400" b="1" dirty="0" smtClean="0">
+                <a:latin typeface="KoPubWorld돋움체_Pro Medium" pitchFamily="50" charset="-127"/>
+                <a:ea typeface="KoPubWorld돋움체_Pro Medium" pitchFamily="50" charset="-127"/>
+                <a:cs typeface="KoPubWorld돋움체_Pro Medium" pitchFamily="50" charset="-127"/>
+              </a:rPr>
+              <a:t>응용</a:t>
+            </a:r>
+            <a:r>
+              <a:rPr lang="ko-KR" altLang="en-US" sz="1400" dirty="0" smtClean="0">
+                <a:latin typeface="KoPubWorld돋움체_Pro Medium" pitchFamily="50" charset="-127"/>
+                <a:ea typeface="KoPubWorld돋움체_Pro Medium" pitchFamily="50" charset="-127"/>
+                <a:cs typeface="KoPubWorld돋움체_Pro Medium" pitchFamily="50" charset="-127"/>
+              </a:rPr>
+              <a:t> </a:t>
+            </a:r>
+            <a:r>
+              <a:rPr lang="en-US" altLang="ko-KR" sz="1400" dirty="0" smtClean="0">
+                <a:latin typeface="KoPubWorld돋움체_Pro Medium" pitchFamily="50" charset="-127"/>
+                <a:ea typeface="KoPubWorld돋움체_Pro Medium" pitchFamily="50" charset="-127"/>
+                <a:cs typeface="KoPubWorld돋움체_Pro Medium" pitchFamily="50" charset="-127"/>
+              </a:rPr>
+              <a:t>Impala, </a:t>
+            </a:r>
+            <a:r>
+              <a:rPr lang="en-US" altLang="ko-KR" sz="1400" dirty="0" err="1" smtClean="0">
+                <a:latin typeface="KoPubWorld돋움체_Pro Medium" pitchFamily="50" charset="-127"/>
+                <a:ea typeface="KoPubWorld돋움체_Pro Medium" pitchFamily="50" charset="-127"/>
+                <a:cs typeface="KoPubWorld돋움체_Pro Medium" pitchFamily="50" charset="-127"/>
+              </a:rPr>
+              <a:t>Zepplin</a:t>
+            </a:r>
+            <a:r>
+              <a:rPr lang="en-US" altLang="ko-KR" sz="1400" dirty="0" smtClean="0">
+                <a:latin typeface="KoPubWorld돋움체_Pro Medium" pitchFamily="50" charset="-127"/>
+                <a:ea typeface="KoPubWorld돋움체_Pro Medium" pitchFamily="50" charset="-127"/>
+                <a:cs typeface="KoPubWorld돋움체_Pro Medium" pitchFamily="50" charset="-127"/>
+              </a:rPr>
+              <a:t>, mahout, R, </a:t>
+            </a:r>
+            <a:r>
+              <a:rPr lang="en-US" altLang="ko-KR" sz="1400" dirty="0" err="1" smtClean="0">
+                <a:latin typeface="KoPubWorld돋움체_Pro Medium" pitchFamily="50" charset="-127"/>
+                <a:ea typeface="KoPubWorld돋움체_Pro Medium" pitchFamily="50" charset="-127"/>
+                <a:cs typeface="KoPubWorld돋움체_Pro Medium" pitchFamily="50" charset="-127"/>
+              </a:rPr>
+              <a:t>Tensorflow</a:t>
+            </a:r>
+            <a:r>
+              <a:rPr lang="en-US" altLang="ko-KR" sz="1400" dirty="0" smtClean="0">
+                <a:latin typeface="KoPubWorld돋움체_Pro Medium" pitchFamily="50" charset="-127"/>
+                <a:ea typeface="KoPubWorld돋움체_Pro Medium" pitchFamily="50" charset="-127"/>
+                <a:cs typeface="KoPubWorld돋움체_Pro Medium" pitchFamily="50" charset="-127"/>
+              </a:rPr>
+              <a:t>, </a:t>
+            </a:r>
+            <a:r>
+              <a:rPr lang="en-US" altLang="ko-KR" sz="1400" dirty="0" err="1" smtClean="0">
+                <a:latin typeface="KoPubWorld돋움체_Pro Medium" pitchFamily="50" charset="-127"/>
+                <a:ea typeface="KoPubWorld돋움체_Pro Medium" pitchFamily="50" charset="-127"/>
+                <a:cs typeface="KoPubWorld돋움체_Pro Medium" pitchFamily="50" charset="-127"/>
+              </a:rPr>
+              <a:t>Sqoop</a:t>
+            </a:r>
+            <a:endParaRPr lang="en-US" altLang="ko-KR" sz="1400" dirty="0">
+              <a:latin typeface="KoPubWorld돋움체_Pro Medium" pitchFamily="50" charset="-127"/>
+              <a:ea typeface="KoPubWorld돋움체_Pro Medium" pitchFamily="50" charset="-127"/>
+              <a:cs typeface="KoPubWorld돋움체_Pro Medium" pitchFamily="50" charset="-127"/>
+            </a:endParaRPr>
+          </a:p>
+        </p:txBody>
+      </p:sp>
     </p:spTree>
     <p:extLst>
       <p:ext uri="{BB962C8B-B14F-4D97-AF65-F5344CB8AC3E}">
